--- a/CSE 411 Machine Learning/ML_CH_11.pptx
+++ b/CSE 411 Machine Learning/ML_CH_11.pptx
@@ -5,7 +5,7 @@
     <p:sldMasterId id="2147483702" r:id="rId1"/>
   </p:sldMasterIdLst>
   <p:notesMasterIdLst>
-    <p:notesMasterId r:id="rId13"/>
+    <p:notesMasterId r:id="rId15"/>
   </p:notesMasterIdLst>
   <p:sldIdLst>
     <p:sldId id="256" r:id="rId2"/>
@@ -18,25 +18,27 @@
     <p:sldId id="281" r:id="rId9"/>
     <p:sldId id="282" r:id="rId10"/>
     <p:sldId id="283" r:id="rId11"/>
-    <p:sldId id="276" r:id="rId12"/>
+    <p:sldId id="284" r:id="rId12"/>
+    <p:sldId id="285" r:id="rId13"/>
+    <p:sldId id="276" r:id="rId14"/>
   </p:sldIdLst>
   <p:sldSz cx="9144000" cy="5143500" type="screen16x9"/>
   <p:notesSz cx="6858000" cy="9144000"/>
   <p:embeddedFontLst>
     <p:embeddedFont>
       <p:font typeface="Cambria Math" panose="02040503050406030204" pitchFamily="18" charset="0"/>
-      <p:regular r:id="rId14"/>
+      <p:regular r:id="rId16"/>
     </p:embeddedFont>
     <p:embeddedFont>
       <p:font typeface="Lilita One" panose="020B0604020202020204" charset="0"/>
-      <p:regular r:id="rId15"/>
+      <p:regular r:id="rId17"/>
     </p:embeddedFont>
     <p:embeddedFont>
       <p:font typeface="Mulish" panose="020B0604020202020204" charset="0"/>
-      <p:regular r:id="rId16"/>
-      <p:bold r:id="rId17"/>
-      <p:italic r:id="rId18"/>
-      <p:boldItalic r:id="rId19"/>
+      <p:regular r:id="rId18"/>
+      <p:bold r:id="rId19"/>
+      <p:italic r:id="rId20"/>
+      <p:boldItalic r:id="rId21"/>
     </p:embeddedFont>
   </p:embeddedFontLst>
   <p:defaultTextStyle>
@@ -931,6 +933,224 @@
 </file>
 
 <file path=ppt/notesSlides/notesSlide11.xml><?xml version="1.0" encoding="utf-8"?>
+<p:notes xmlns:a="http://schemas.openxmlformats.org/drawingml/2006/main" xmlns:r="http://schemas.openxmlformats.org/officeDocument/2006/relationships" xmlns:p="http://schemas.openxmlformats.org/presentationml/2006/main" showMasterSp="0" showMasterPhAnim="0">
+  <p:cSld>
+    <p:spTree>
+      <p:nvGrpSpPr>
+        <p:cNvPr id="1" name="Shape 914"/>
+        <p:cNvGrpSpPr/>
+        <p:nvPr/>
+      </p:nvGrpSpPr>
+      <p:grpSpPr>
+        <a:xfrm>
+          <a:off x="0" y="0"/>
+          <a:ext cx="0" cy="0"/>
+          <a:chOff x="0" y="0"/>
+          <a:chExt cx="0" cy="0"/>
+        </a:xfrm>
+      </p:grpSpPr>
+      <p:sp>
+        <p:nvSpPr>
+          <p:cNvPr id="915" name="Google Shape;915;g8a0076b5af_0_129:notes"/>
+          <p:cNvSpPr>
+            <a:spLocks noGrp="1" noRot="1" noChangeAspect="1"/>
+          </p:cNvSpPr>
+          <p:nvPr>
+            <p:ph type="sldImg" idx="2"/>
+          </p:nvPr>
+        </p:nvSpPr>
+        <p:spPr>
+          <a:xfrm>
+            <a:off x="381000" y="685800"/>
+            <a:ext cx="6096000" cy="3429000"/>
+          </a:xfrm>
+          <a:custGeom>
+            <a:avLst/>
+            <a:gdLst/>
+            <a:ahLst/>
+            <a:cxnLst/>
+            <a:rect l="l" t="t" r="r" b="b"/>
+            <a:pathLst>
+              <a:path w="120000" h="120000" extrusionOk="0">
+                <a:moveTo>
+                  <a:pt x="0" y="0"/>
+                </a:moveTo>
+                <a:lnTo>
+                  <a:pt x="120000" y="0"/>
+                </a:lnTo>
+                <a:lnTo>
+                  <a:pt x="120000" y="120000"/>
+                </a:lnTo>
+                <a:lnTo>
+                  <a:pt x="0" y="120000"/>
+                </a:lnTo>
+                <a:close/>
+              </a:path>
+            </a:pathLst>
+          </a:custGeom>
+        </p:spPr>
+      </p:sp>
+      <p:sp>
+        <p:nvSpPr>
+          <p:cNvPr id="916" name="Google Shape;916;g8a0076b5af_0_129:notes"/>
+          <p:cNvSpPr txBox="1">
+            <a:spLocks noGrp="1"/>
+          </p:cNvSpPr>
+          <p:nvPr>
+            <p:ph type="body" idx="1"/>
+          </p:nvPr>
+        </p:nvSpPr>
+        <p:spPr>
+          <a:xfrm>
+            <a:off x="685800" y="4343400"/>
+            <a:ext cx="5486400" cy="4114800"/>
+          </a:xfrm>
+          <a:prstGeom prst="rect">
+            <a:avLst/>
+          </a:prstGeom>
+        </p:spPr>
+        <p:txBody>
+          <a:bodyPr spcFirstLastPara="1" wrap="square" lIns="91425" tIns="91425" rIns="91425" bIns="91425" anchor="t" anchorCtr="0">
+            <a:noAutofit/>
+          </a:bodyPr>
+          <a:lstStyle/>
+          <a:p>
+            <a:pPr marL="0" lvl="0" indent="0" algn="l" rtl="0">
+              <a:spcBef>
+                <a:spcPts val="0"/>
+              </a:spcBef>
+              <a:spcAft>
+                <a:spcPts val="0"/>
+              </a:spcAft>
+              <a:buNone/>
+            </a:pPr>
+            <a:endParaRPr/>
+          </a:p>
+        </p:txBody>
+      </p:sp>
+    </p:spTree>
+    <p:extLst>
+      <p:ext uri="{BB962C8B-B14F-4D97-AF65-F5344CB8AC3E}">
+        <p14:creationId xmlns:p14="http://schemas.microsoft.com/office/powerpoint/2010/main" val="3966985590"/>
+      </p:ext>
+    </p:extLst>
+  </p:cSld>
+  <p:clrMapOvr>
+    <a:masterClrMapping/>
+  </p:clrMapOvr>
+</p:notes>
+</file>
+
+<file path=ppt/notesSlides/notesSlide12.xml><?xml version="1.0" encoding="utf-8"?>
+<p:notes xmlns:a="http://schemas.openxmlformats.org/drawingml/2006/main" xmlns:r="http://schemas.openxmlformats.org/officeDocument/2006/relationships" xmlns:p="http://schemas.openxmlformats.org/presentationml/2006/main" showMasterSp="0" showMasterPhAnim="0">
+  <p:cSld>
+    <p:spTree>
+      <p:nvGrpSpPr>
+        <p:cNvPr id="1" name="Shape 914"/>
+        <p:cNvGrpSpPr/>
+        <p:nvPr/>
+      </p:nvGrpSpPr>
+      <p:grpSpPr>
+        <a:xfrm>
+          <a:off x="0" y="0"/>
+          <a:ext cx="0" cy="0"/>
+          <a:chOff x="0" y="0"/>
+          <a:chExt cx="0" cy="0"/>
+        </a:xfrm>
+      </p:grpSpPr>
+      <p:sp>
+        <p:nvSpPr>
+          <p:cNvPr id="915" name="Google Shape;915;g8a0076b5af_0_129:notes"/>
+          <p:cNvSpPr>
+            <a:spLocks noGrp="1" noRot="1" noChangeAspect="1"/>
+          </p:cNvSpPr>
+          <p:nvPr>
+            <p:ph type="sldImg" idx="2"/>
+          </p:nvPr>
+        </p:nvSpPr>
+        <p:spPr>
+          <a:xfrm>
+            <a:off x="381000" y="685800"/>
+            <a:ext cx="6096000" cy="3429000"/>
+          </a:xfrm>
+          <a:custGeom>
+            <a:avLst/>
+            <a:gdLst/>
+            <a:ahLst/>
+            <a:cxnLst/>
+            <a:rect l="l" t="t" r="r" b="b"/>
+            <a:pathLst>
+              <a:path w="120000" h="120000" extrusionOk="0">
+                <a:moveTo>
+                  <a:pt x="0" y="0"/>
+                </a:moveTo>
+                <a:lnTo>
+                  <a:pt x="120000" y="0"/>
+                </a:lnTo>
+                <a:lnTo>
+                  <a:pt x="120000" y="120000"/>
+                </a:lnTo>
+                <a:lnTo>
+                  <a:pt x="0" y="120000"/>
+                </a:lnTo>
+                <a:close/>
+              </a:path>
+            </a:pathLst>
+          </a:custGeom>
+        </p:spPr>
+      </p:sp>
+      <p:sp>
+        <p:nvSpPr>
+          <p:cNvPr id="916" name="Google Shape;916;g8a0076b5af_0_129:notes"/>
+          <p:cNvSpPr txBox="1">
+            <a:spLocks noGrp="1"/>
+          </p:cNvSpPr>
+          <p:nvPr>
+            <p:ph type="body" idx="1"/>
+          </p:nvPr>
+        </p:nvSpPr>
+        <p:spPr>
+          <a:xfrm>
+            <a:off x="685800" y="4343400"/>
+            <a:ext cx="5486400" cy="4114800"/>
+          </a:xfrm>
+          <a:prstGeom prst="rect">
+            <a:avLst/>
+          </a:prstGeom>
+        </p:spPr>
+        <p:txBody>
+          <a:bodyPr spcFirstLastPara="1" wrap="square" lIns="91425" tIns="91425" rIns="91425" bIns="91425" anchor="t" anchorCtr="0">
+            <a:noAutofit/>
+          </a:bodyPr>
+          <a:lstStyle/>
+          <a:p>
+            <a:pPr marL="0" lvl="0" indent="0" algn="l" rtl="0">
+              <a:spcBef>
+                <a:spcPts val="0"/>
+              </a:spcBef>
+              <a:spcAft>
+                <a:spcPts val="0"/>
+              </a:spcAft>
+              <a:buNone/>
+            </a:pPr>
+            <a:endParaRPr/>
+          </a:p>
+        </p:txBody>
+      </p:sp>
+    </p:spTree>
+    <p:extLst>
+      <p:ext uri="{BB962C8B-B14F-4D97-AF65-F5344CB8AC3E}">
+        <p14:creationId xmlns:p14="http://schemas.microsoft.com/office/powerpoint/2010/main" val="674856628"/>
+      </p:ext>
+    </p:extLst>
+  </p:cSld>
+  <p:clrMapOvr>
+    <a:masterClrMapping/>
+  </p:clrMapOvr>
+</p:notes>
+</file>
+
+<file path=ppt/notesSlides/notesSlide13.xml><?xml version="1.0" encoding="utf-8"?>
 <p:notes xmlns:a="http://schemas.openxmlformats.org/drawingml/2006/main" xmlns:r="http://schemas.openxmlformats.org/officeDocument/2006/relationships" xmlns:p="http://schemas.openxmlformats.org/presentationml/2006/main" showMasterSp="0" showMasterPhAnim="0">
   <p:cSld>
     <p:spTree>
@@ -17717,8 +17937,8 @@
           </a:p>
         </p:txBody>
       </p:sp>
-      <mc:AlternateContent xmlns:mc="http://schemas.openxmlformats.org/markup-compatibility/2006">
-        <mc:Choice xmlns:a14="http://schemas.microsoft.com/office/drawing/2010/main" Requires="a14">
+      <mc:AlternateContent xmlns:mc="http://schemas.openxmlformats.org/markup-compatibility/2006" xmlns:a14="http://schemas.microsoft.com/office/drawing/2010/main">
+        <mc:Choice Requires="a14">
           <p:sp>
             <p:nvSpPr>
               <p:cNvPr id="12" name="Oval 11">
@@ -17798,7 +18018,7 @@
             </p:txBody>
           </p:sp>
         </mc:Choice>
-        <mc:Fallback>
+        <mc:Fallback xmlns="">
           <p:sp>
             <p:nvSpPr>
               <p:cNvPr id="12" name="Oval 11">
@@ -19974,7 +20194,7 @@
             <a:pPr marL="0" indent="0" algn="ctr"/>
             <a:r>
               <a:rPr lang="en-US" sz="1400" dirty="0"/>
-              <a:t>0</a:t>
+              <a:t>-1</a:t>
             </a:r>
           </a:p>
         </p:txBody>
@@ -20307,6 +20527,4184 @@
 </file>
 
 <file path=ppt/slides/slide11.xml><?xml version="1.0" encoding="utf-8"?>
+<p:sld xmlns:a="http://schemas.openxmlformats.org/drawingml/2006/main" xmlns:r="http://schemas.openxmlformats.org/officeDocument/2006/relationships" xmlns:p="http://schemas.openxmlformats.org/presentationml/2006/main">
+  <p:cSld>
+    <p:spTree>
+      <p:nvGrpSpPr>
+        <p:cNvPr id="1" name="Shape 917"/>
+        <p:cNvGrpSpPr/>
+        <p:nvPr/>
+      </p:nvGrpSpPr>
+      <p:grpSpPr>
+        <a:xfrm>
+          <a:off x="0" y="0"/>
+          <a:ext cx="0" cy="0"/>
+          <a:chOff x="0" y="0"/>
+          <a:chExt cx="0" cy="0"/>
+        </a:xfrm>
+      </p:grpSpPr>
+      <p:sp>
+        <p:nvSpPr>
+          <p:cNvPr id="944" name="Google Shape;944;p69">
+            <a:hlinkClick r:id="rId3" action="ppaction://hlinksldjump"/>
+          </p:cNvPr>
+          <p:cNvSpPr/>
+          <p:nvPr/>
+        </p:nvSpPr>
+        <p:spPr>
+          <a:xfrm>
+            <a:off x="4637086" y="184075"/>
+            <a:ext cx="285600" cy="252000"/>
+          </a:xfrm>
+          <a:prstGeom prst="roundRect">
+            <a:avLst>
+              <a:gd name="adj" fmla="val 16667"/>
+            </a:avLst>
+          </a:prstGeom>
+          <a:solidFill>
+            <a:schemeClr val="lt1"/>
+          </a:solidFill>
+          <a:ln w="19050" cap="flat" cmpd="sng">
+            <a:solidFill>
+              <a:schemeClr val="dk1"/>
+            </a:solidFill>
+            <a:prstDash val="solid"/>
+            <a:round/>
+            <a:headEnd type="none" w="sm" len="sm"/>
+            <a:tailEnd type="none" w="sm" len="sm"/>
+          </a:ln>
+        </p:spPr>
+        <p:txBody>
+          <a:bodyPr spcFirstLastPara="1" wrap="square" lIns="0" tIns="0" rIns="0" bIns="0" anchor="ctr" anchorCtr="0">
+            <a:noAutofit/>
+          </a:bodyPr>
+          <a:lstStyle/>
+          <a:p>
+            <a:pPr marL="0" lvl="0" indent="0" algn="ctr" rtl="0">
+              <a:spcBef>
+                <a:spcPts val="0"/>
+              </a:spcBef>
+              <a:spcAft>
+                <a:spcPts val="0"/>
+              </a:spcAft>
+              <a:buNone/>
+            </a:pPr>
+            <a:r>
+              <a:rPr lang="en-US" dirty="0">
+                <a:latin typeface="Lilita One"/>
+                <a:ea typeface="Lilita One"/>
+                <a:cs typeface="Lilita One"/>
+                <a:sym typeface="Lilita One"/>
+              </a:rPr>
+              <a:t>1</a:t>
+            </a:r>
+            <a:endParaRPr dirty="0">
+              <a:latin typeface="Lilita One"/>
+              <a:ea typeface="Lilita One"/>
+              <a:cs typeface="Lilita One"/>
+              <a:sym typeface="Lilita One"/>
+            </a:endParaRPr>
+          </a:p>
+        </p:txBody>
+      </p:sp>
+      <p:sp>
+        <p:nvSpPr>
+          <p:cNvPr id="945" name="Google Shape;945;p69">
+            <a:hlinkClick r:id="rId3" action="ppaction://hlinksldjump"/>
+          </p:cNvPr>
+          <p:cNvSpPr/>
+          <p:nvPr/>
+        </p:nvSpPr>
+        <p:spPr>
+          <a:xfrm>
+            <a:off x="4229891" y="184075"/>
+            <a:ext cx="285600" cy="252000"/>
+          </a:xfrm>
+          <a:prstGeom prst="roundRect">
+            <a:avLst>
+              <a:gd name="adj" fmla="val 16667"/>
+            </a:avLst>
+          </a:prstGeom>
+          <a:solidFill>
+            <a:schemeClr val="lt1"/>
+          </a:solidFill>
+          <a:ln w="19050" cap="flat" cmpd="sng">
+            <a:solidFill>
+              <a:schemeClr val="dk1"/>
+            </a:solidFill>
+            <a:prstDash val="solid"/>
+            <a:round/>
+            <a:headEnd type="none" w="sm" len="sm"/>
+            <a:tailEnd type="none" w="sm" len="sm"/>
+          </a:ln>
+        </p:spPr>
+        <p:txBody>
+          <a:bodyPr spcFirstLastPara="1" wrap="square" lIns="0" tIns="0" rIns="0" bIns="0" anchor="ctr" anchorCtr="0">
+            <a:noAutofit/>
+          </a:bodyPr>
+          <a:lstStyle/>
+          <a:p>
+            <a:pPr marL="0" lvl="0" indent="0" algn="ctr" rtl="0">
+              <a:spcBef>
+                <a:spcPts val="0"/>
+              </a:spcBef>
+              <a:spcAft>
+                <a:spcPts val="0"/>
+              </a:spcAft>
+              <a:buNone/>
+            </a:pPr>
+            <a:r>
+              <a:rPr lang="en">
+                <a:latin typeface="Lilita One"/>
+                <a:ea typeface="Lilita One"/>
+                <a:cs typeface="Lilita One"/>
+                <a:sym typeface="Lilita One"/>
+              </a:rPr>
+              <a:t>T</a:t>
+            </a:r>
+            <a:endParaRPr>
+              <a:latin typeface="Lilita One"/>
+              <a:ea typeface="Lilita One"/>
+              <a:cs typeface="Lilita One"/>
+              <a:sym typeface="Lilita One"/>
+            </a:endParaRPr>
+          </a:p>
+        </p:txBody>
+      </p:sp>
+      <p:sp>
+        <p:nvSpPr>
+          <p:cNvPr id="946" name="Google Shape;946;p69">
+            <a:hlinkClick r:id="" action="ppaction://hlinkshowjump?jump=previousslide"/>
+          </p:cNvPr>
+          <p:cNvSpPr/>
+          <p:nvPr/>
+        </p:nvSpPr>
+        <p:spPr>
+          <a:xfrm flipH="1">
+            <a:off x="3863813" y="184075"/>
+            <a:ext cx="285600" cy="252000"/>
+          </a:xfrm>
+          <a:prstGeom prst="roundRect">
+            <a:avLst>
+              <a:gd name="adj" fmla="val 16667"/>
+            </a:avLst>
+          </a:prstGeom>
+          <a:solidFill>
+            <a:schemeClr val="lt1"/>
+          </a:solidFill>
+          <a:ln>
+            <a:noFill/>
+          </a:ln>
+        </p:spPr>
+        <p:txBody>
+          <a:bodyPr spcFirstLastPara="1" wrap="square" lIns="0" tIns="0" rIns="0" bIns="0" anchor="ctr" anchorCtr="0">
+            <a:noAutofit/>
+          </a:bodyPr>
+          <a:lstStyle/>
+          <a:p>
+            <a:pPr marL="0" lvl="0" indent="0" algn="ctr" rtl="0">
+              <a:spcBef>
+                <a:spcPts val="0"/>
+              </a:spcBef>
+              <a:spcAft>
+                <a:spcPts val="0"/>
+              </a:spcAft>
+              <a:buNone/>
+            </a:pPr>
+            <a:r>
+              <a:rPr lang="en" sz="2000" b="1">
+                <a:latin typeface="Lilita One"/>
+                <a:ea typeface="Lilita One"/>
+                <a:cs typeface="Lilita One"/>
+                <a:sym typeface="Lilita One"/>
+              </a:rPr>
+              <a:t>&lt;</a:t>
+            </a:r>
+            <a:endParaRPr sz="2000" b="1">
+              <a:latin typeface="Lilita One"/>
+              <a:ea typeface="Lilita One"/>
+              <a:cs typeface="Lilita One"/>
+              <a:sym typeface="Lilita One"/>
+            </a:endParaRPr>
+          </a:p>
+        </p:txBody>
+      </p:sp>
+      <p:sp>
+        <p:nvSpPr>
+          <p:cNvPr id="947" name="Google Shape;947;p69">
+            <a:hlinkClick r:id="" action="ppaction://hlinkshowjump?jump=nextslide"/>
+          </p:cNvPr>
+          <p:cNvSpPr/>
+          <p:nvPr/>
+        </p:nvSpPr>
+        <p:spPr>
+          <a:xfrm flipH="1">
+            <a:off x="4994579" y="184075"/>
+            <a:ext cx="285600" cy="252000"/>
+          </a:xfrm>
+          <a:prstGeom prst="roundRect">
+            <a:avLst>
+              <a:gd name="adj" fmla="val 16667"/>
+            </a:avLst>
+          </a:prstGeom>
+          <a:solidFill>
+            <a:schemeClr val="lt1"/>
+          </a:solidFill>
+          <a:ln>
+            <a:noFill/>
+          </a:ln>
+        </p:spPr>
+        <p:txBody>
+          <a:bodyPr spcFirstLastPara="1" wrap="square" lIns="0" tIns="0" rIns="0" bIns="0" anchor="ctr" anchorCtr="0">
+            <a:noAutofit/>
+          </a:bodyPr>
+          <a:lstStyle/>
+          <a:p>
+            <a:pPr marL="0" lvl="0" indent="0" algn="ctr" rtl="0">
+              <a:spcBef>
+                <a:spcPts val="0"/>
+              </a:spcBef>
+              <a:spcAft>
+                <a:spcPts val="0"/>
+              </a:spcAft>
+              <a:buNone/>
+            </a:pPr>
+            <a:r>
+              <a:rPr lang="en" sz="2000" b="1" dirty="0">
+                <a:latin typeface="Lilita One"/>
+                <a:ea typeface="Lilita One"/>
+                <a:cs typeface="Lilita One"/>
+                <a:sym typeface="Lilita One"/>
+              </a:rPr>
+              <a:t>&gt;</a:t>
+            </a:r>
+            <a:endParaRPr sz="2000" b="1" dirty="0">
+              <a:latin typeface="Lilita One"/>
+              <a:ea typeface="Lilita One"/>
+              <a:cs typeface="Lilita One"/>
+              <a:sym typeface="Lilita One"/>
+            </a:endParaRPr>
+          </a:p>
+        </p:txBody>
+      </p:sp>
+      <p:sp>
+        <p:nvSpPr>
+          <p:cNvPr id="17" name="Google Shape;920;p69">
+            <a:extLst>
+              <a:ext uri="{FF2B5EF4-FFF2-40B4-BE49-F238E27FC236}">
+                <a16:creationId xmlns:a16="http://schemas.microsoft.com/office/drawing/2014/main" id="{B0B27427-1401-4308-A936-46B27F290882}"/>
+              </a:ext>
+            </a:extLst>
+          </p:cNvPr>
+          <p:cNvSpPr txBox="1">
+            <a:spLocks noGrp="1"/>
+          </p:cNvSpPr>
+          <p:nvPr>
+            <p:ph type="title"/>
+          </p:nvPr>
+        </p:nvSpPr>
+        <p:spPr>
+          <a:xfrm>
+            <a:off x="449813" y="607300"/>
+            <a:ext cx="7399200" cy="572700"/>
+          </a:xfrm>
+          <a:prstGeom prst="rect">
+            <a:avLst/>
+          </a:prstGeom>
+        </p:spPr>
+        <p:txBody>
+          <a:bodyPr spcFirstLastPara="1" wrap="square" lIns="91425" tIns="91425" rIns="91425" bIns="91425" anchor="ctr" anchorCtr="0">
+            <a:noAutofit/>
+          </a:bodyPr>
+          <a:lstStyle/>
+          <a:p>
+            <a:pPr marL="0" lvl="0" indent="0" algn="l" rtl="0">
+              <a:spcBef>
+                <a:spcPts val="0"/>
+              </a:spcBef>
+              <a:spcAft>
+                <a:spcPts val="0"/>
+              </a:spcAft>
+              <a:buNone/>
+            </a:pPr>
+            <a:r>
+              <a:rPr lang="en-US" dirty="0"/>
+              <a:t>Perceptron</a:t>
+            </a:r>
+            <a:endParaRPr dirty="0"/>
+          </a:p>
+        </p:txBody>
+      </p:sp>
+      <p:sp>
+        <p:nvSpPr>
+          <p:cNvPr id="8" name="Google Shape;922;p69">
+            <a:extLst>
+              <a:ext uri="{FF2B5EF4-FFF2-40B4-BE49-F238E27FC236}">
+                <a16:creationId xmlns:a16="http://schemas.microsoft.com/office/drawing/2014/main" id="{9512ED38-C384-4428-AB20-340D6551CC83}"/>
+              </a:ext>
+            </a:extLst>
+          </p:cNvPr>
+          <p:cNvSpPr txBox="1">
+            <a:spLocks/>
+          </p:cNvSpPr>
+          <p:nvPr/>
+        </p:nvSpPr>
+        <p:spPr>
+          <a:xfrm>
+            <a:off x="868093" y="1159225"/>
+            <a:ext cx="7498685" cy="332296"/>
+          </a:xfrm>
+          <a:prstGeom prst="rect">
+            <a:avLst/>
+          </a:prstGeom>
+          <a:noFill/>
+          <a:ln>
+            <a:noFill/>
+          </a:ln>
+        </p:spPr>
+        <p:txBody>
+          <a:bodyPr spcFirstLastPara="1" wrap="square" lIns="91425" tIns="91425" rIns="91425" bIns="91425" anchor="t" anchorCtr="0">
+            <a:noAutofit/>
+          </a:bodyPr>
+          <a:lstStyle>
+            <a:defPPr marR="0" lvl="0" algn="l" rtl="0">
+              <a:lnSpc>
+                <a:spcPct val="100000"/>
+              </a:lnSpc>
+              <a:spcBef>
+                <a:spcPts val="0"/>
+              </a:spcBef>
+              <a:spcAft>
+                <a:spcPts val="0"/>
+              </a:spcAft>
+            </a:defPPr>
+            <a:lvl1pPr marL="457200" marR="0" lvl="0" indent="-342900" algn="l" rtl="0">
+              <a:lnSpc>
+                <a:spcPct val="100000"/>
+              </a:lnSpc>
+              <a:spcBef>
+                <a:spcPts val="0"/>
+              </a:spcBef>
+              <a:spcAft>
+                <a:spcPts val="0"/>
+              </a:spcAft>
+              <a:buClr>
+                <a:schemeClr val="dk1"/>
+              </a:buClr>
+              <a:buSzPts val="1600"/>
+              <a:buFont typeface="Mulish"/>
+              <a:buNone/>
+              <a:defRPr sz="1600" b="0" i="0" u="none" strike="noStrike" cap="none">
+                <a:solidFill>
+                  <a:schemeClr val="dk1"/>
+                </a:solidFill>
+                <a:latin typeface="Mulish"/>
+                <a:ea typeface="Mulish"/>
+                <a:cs typeface="Mulish"/>
+                <a:sym typeface="Mulish"/>
+              </a:defRPr>
+            </a:lvl1pPr>
+            <a:lvl2pPr marL="914400" marR="0" lvl="1" indent="-317500" algn="l" rtl="0">
+              <a:lnSpc>
+                <a:spcPct val="100000"/>
+              </a:lnSpc>
+              <a:spcBef>
+                <a:spcPts val="0"/>
+              </a:spcBef>
+              <a:spcAft>
+                <a:spcPts val="0"/>
+              </a:spcAft>
+              <a:buClr>
+                <a:schemeClr val="dk1"/>
+              </a:buClr>
+              <a:buSzPts val="1600"/>
+              <a:buFont typeface="Mulish"/>
+              <a:buNone/>
+              <a:defRPr sz="1600" b="0" i="0" u="none" strike="noStrike" cap="none">
+                <a:solidFill>
+                  <a:schemeClr val="dk1"/>
+                </a:solidFill>
+                <a:latin typeface="Mulish"/>
+                <a:ea typeface="Mulish"/>
+                <a:cs typeface="Mulish"/>
+                <a:sym typeface="Mulish"/>
+              </a:defRPr>
+            </a:lvl2pPr>
+            <a:lvl3pPr marL="1371600" marR="0" lvl="2" indent="-317500" algn="l" rtl="0">
+              <a:lnSpc>
+                <a:spcPct val="100000"/>
+              </a:lnSpc>
+              <a:spcBef>
+                <a:spcPts val="0"/>
+              </a:spcBef>
+              <a:spcAft>
+                <a:spcPts val="0"/>
+              </a:spcAft>
+              <a:buClr>
+                <a:schemeClr val="dk1"/>
+              </a:buClr>
+              <a:buSzPts val="1600"/>
+              <a:buFont typeface="Mulish"/>
+              <a:buNone/>
+              <a:defRPr sz="1600" b="0" i="0" u="none" strike="noStrike" cap="none">
+                <a:solidFill>
+                  <a:schemeClr val="dk1"/>
+                </a:solidFill>
+                <a:latin typeface="Mulish"/>
+                <a:ea typeface="Mulish"/>
+                <a:cs typeface="Mulish"/>
+                <a:sym typeface="Mulish"/>
+              </a:defRPr>
+            </a:lvl3pPr>
+            <a:lvl4pPr marL="1828800" marR="0" lvl="3" indent="-317500" algn="l" rtl="0">
+              <a:lnSpc>
+                <a:spcPct val="100000"/>
+              </a:lnSpc>
+              <a:spcBef>
+                <a:spcPts val="0"/>
+              </a:spcBef>
+              <a:spcAft>
+                <a:spcPts val="0"/>
+              </a:spcAft>
+              <a:buClr>
+                <a:schemeClr val="dk1"/>
+              </a:buClr>
+              <a:buSzPts val="1600"/>
+              <a:buFont typeface="Mulish"/>
+              <a:buNone/>
+              <a:defRPr sz="1600" b="0" i="0" u="none" strike="noStrike" cap="none">
+                <a:solidFill>
+                  <a:schemeClr val="dk1"/>
+                </a:solidFill>
+                <a:latin typeface="Mulish"/>
+                <a:ea typeface="Mulish"/>
+                <a:cs typeface="Mulish"/>
+                <a:sym typeface="Mulish"/>
+              </a:defRPr>
+            </a:lvl4pPr>
+            <a:lvl5pPr marL="2286000" marR="0" lvl="4" indent="-317500" algn="l" rtl="0">
+              <a:lnSpc>
+                <a:spcPct val="100000"/>
+              </a:lnSpc>
+              <a:spcBef>
+                <a:spcPts val="0"/>
+              </a:spcBef>
+              <a:spcAft>
+                <a:spcPts val="0"/>
+              </a:spcAft>
+              <a:buClr>
+                <a:schemeClr val="dk1"/>
+              </a:buClr>
+              <a:buSzPts val="1600"/>
+              <a:buFont typeface="Mulish"/>
+              <a:buNone/>
+              <a:defRPr sz="1600" b="0" i="0" u="none" strike="noStrike" cap="none">
+                <a:solidFill>
+                  <a:schemeClr val="dk1"/>
+                </a:solidFill>
+                <a:latin typeface="Mulish"/>
+                <a:ea typeface="Mulish"/>
+                <a:cs typeface="Mulish"/>
+                <a:sym typeface="Mulish"/>
+              </a:defRPr>
+            </a:lvl5pPr>
+            <a:lvl6pPr marL="2743200" marR="0" lvl="5" indent="-317500" algn="l" rtl="0">
+              <a:lnSpc>
+                <a:spcPct val="100000"/>
+              </a:lnSpc>
+              <a:spcBef>
+                <a:spcPts val="0"/>
+              </a:spcBef>
+              <a:spcAft>
+                <a:spcPts val="0"/>
+              </a:spcAft>
+              <a:buClr>
+                <a:schemeClr val="dk1"/>
+              </a:buClr>
+              <a:buSzPts val="1600"/>
+              <a:buFont typeface="Mulish"/>
+              <a:buNone/>
+              <a:defRPr sz="1600" b="0" i="0" u="none" strike="noStrike" cap="none">
+                <a:solidFill>
+                  <a:schemeClr val="dk1"/>
+                </a:solidFill>
+                <a:latin typeface="Mulish"/>
+                <a:ea typeface="Mulish"/>
+                <a:cs typeface="Mulish"/>
+                <a:sym typeface="Mulish"/>
+              </a:defRPr>
+            </a:lvl6pPr>
+            <a:lvl7pPr marL="3200400" marR="0" lvl="6" indent="-317500" algn="l" rtl="0">
+              <a:lnSpc>
+                <a:spcPct val="100000"/>
+              </a:lnSpc>
+              <a:spcBef>
+                <a:spcPts val="0"/>
+              </a:spcBef>
+              <a:spcAft>
+                <a:spcPts val="0"/>
+              </a:spcAft>
+              <a:buClr>
+                <a:schemeClr val="dk1"/>
+              </a:buClr>
+              <a:buSzPts val="1600"/>
+              <a:buFont typeface="Mulish"/>
+              <a:buNone/>
+              <a:defRPr sz="1600" b="0" i="0" u="none" strike="noStrike" cap="none">
+                <a:solidFill>
+                  <a:schemeClr val="dk1"/>
+                </a:solidFill>
+                <a:latin typeface="Mulish"/>
+                <a:ea typeface="Mulish"/>
+                <a:cs typeface="Mulish"/>
+                <a:sym typeface="Mulish"/>
+              </a:defRPr>
+            </a:lvl7pPr>
+            <a:lvl8pPr marL="3657600" marR="0" lvl="7" indent="-317500" algn="l" rtl="0">
+              <a:lnSpc>
+                <a:spcPct val="100000"/>
+              </a:lnSpc>
+              <a:spcBef>
+                <a:spcPts val="0"/>
+              </a:spcBef>
+              <a:spcAft>
+                <a:spcPts val="0"/>
+              </a:spcAft>
+              <a:buClr>
+                <a:schemeClr val="dk1"/>
+              </a:buClr>
+              <a:buSzPts val="1600"/>
+              <a:buFont typeface="Mulish"/>
+              <a:buNone/>
+              <a:defRPr sz="1600" b="0" i="0" u="none" strike="noStrike" cap="none">
+                <a:solidFill>
+                  <a:schemeClr val="dk1"/>
+                </a:solidFill>
+                <a:latin typeface="Mulish"/>
+                <a:ea typeface="Mulish"/>
+                <a:cs typeface="Mulish"/>
+                <a:sym typeface="Mulish"/>
+              </a:defRPr>
+            </a:lvl8pPr>
+            <a:lvl9pPr marL="4114800" marR="0" lvl="8" indent="-317500" algn="l" rtl="0">
+              <a:lnSpc>
+                <a:spcPct val="100000"/>
+              </a:lnSpc>
+              <a:spcBef>
+                <a:spcPts val="0"/>
+              </a:spcBef>
+              <a:spcAft>
+                <a:spcPts val="0"/>
+              </a:spcAft>
+              <a:buClr>
+                <a:schemeClr val="dk1"/>
+              </a:buClr>
+              <a:buSzPts val="1600"/>
+              <a:buFont typeface="Mulish"/>
+              <a:buNone/>
+              <a:defRPr sz="1600" b="0" i="0" u="none" strike="noStrike" cap="none">
+                <a:solidFill>
+                  <a:schemeClr val="dk1"/>
+                </a:solidFill>
+                <a:latin typeface="Mulish"/>
+                <a:ea typeface="Mulish"/>
+                <a:cs typeface="Mulish"/>
+                <a:sym typeface="Mulish"/>
+              </a:defRPr>
+            </a:lvl9pPr>
+          </a:lstStyle>
+          <a:p>
+            <a:pPr marL="0" indent="0"/>
+            <a:r>
+              <a:rPr lang="en-US" sz="1400" dirty="0"/>
+              <a:t>So Update the weights</a:t>
+            </a:r>
+          </a:p>
+        </p:txBody>
+      </p:sp>
+      <p:pic>
+        <p:nvPicPr>
+          <p:cNvPr id="28" name="Picture 27">
+            <a:extLst>
+              <a:ext uri="{FF2B5EF4-FFF2-40B4-BE49-F238E27FC236}">
+                <a16:creationId xmlns:a16="http://schemas.microsoft.com/office/drawing/2014/main" id="{B339C00D-9A46-445E-BA9D-9D271EA256C5}"/>
+              </a:ext>
+            </a:extLst>
+          </p:cNvPr>
+          <p:cNvPicPr>
+            <a:picLocks noChangeAspect="1"/>
+          </p:cNvPicPr>
+          <p:nvPr/>
+        </p:nvPicPr>
+        <p:blipFill rotWithShape="1">
+          <a:blip r:embed="rId4"/>
+          <a:srcRect l="38592" t="19208" r="33150" b="48834"/>
+          <a:stretch/>
+        </p:blipFill>
+        <p:spPr>
+          <a:xfrm>
+            <a:off x="5233657" y="1323114"/>
+            <a:ext cx="2143593" cy="572700"/>
+          </a:xfrm>
+          <a:prstGeom prst="rect">
+            <a:avLst/>
+          </a:prstGeom>
+        </p:spPr>
+      </p:pic>
+      <p:sp>
+        <p:nvSpPr>
+          <p:cNvPr id="32" name="Google Shape;922;p69">
+            <a:extLst>
+              <a:ext uri="{FF2B5EF4-FFF2-40B4-BE49-F238E27FC236}">
+                <a16:creationId xmlns:a16="http://schemas.microsoft.com/office/drawing/2014/main" id="{C8827E99-F8C1-44BF-9AB5-54F42AFB450A}"/>
+              </a:ext>
+            </a:extLst>
+          </p:cNvPr>
+          <p:cNvSpPr txBox="1">
+            <a:spLocks/>
+          </p:cNvSpPr>
+          <p:nvPr/>
+        </p:nvSpPr>
+        <p:spPr>
+          <a:xfrm>
+            <a:off x="5137378" y="1789477"/>
+            <a:ext cx="3631867" cy="1049754"/>
+          </a:xfrm>
+          <a:prstGeom prst="rect">
+            <a:avLst/>
+          </a:prstGeom>
+          <a:noFill/>
+          <a:ln>
+            <a:noFill/>
+          </a:ln>
+        </p:spPr>
+        <p:txBody>
+          <a:bodyPr spcFirstLastPara="1" wrap="square" lIns="91425" tIns="91425" rIns="91425" bIns="91425" anchor="t" anchorCtr="0">
+            <a:noAutofit/>
+          </a:bodyPr>
+          <a:lstStyle>
+            <a:defPPr marR="0" lvl="0" algn="l" rtl="0">
+              <a:lnSpc>
+                <a:spcPct val="100000"/>
+              </a:lnSpc>
+              <a:spcBef>
+                <a:spcPts val="0"/>
+              </a:spcBef>
+              <a:spcAft>
+                <a:spcPts val="0"/>
+              </a:spcAft>
+            </a:defPPr>
+            <a:lvl1pPr marL="457200" marR="0" lvl="0" indent="-342900" algn="l" rtl="0">
+              <a:lnSpc>
+                <a:spcPct val="100000"/>
+              </a:lnSpc>
+              <a:spcBef>
+                <a:spcPts val="0"/>
+              </a:spcBef>
+              <a:spcAft>
+                <a:spcPts val="0"/>
+              </a:spcAft>
+              <a:buClr>
+                <a:schemeClr val="dk1"/>
+              </a:buClr>
+              <a:buSzPts val="1600"/>
+              <a:buFont typeface="Mulish"/>
+              <a:buNone/>
+              <a:defRPr sz="1600" b="0" i="0" u="none" strike="noStrike" cap="none">
+                <a:solidFill>
+                  <a:schemeClr val="dk1"/>
+                </a:solidFill>
+                <a:latin typeface="Mulish"/>
+                <a:ea typeface="Mulish"/>
+                <a:cs typeface="Mulish"/>
+                <a:sym typeface="Mulish"/>
+              </a:defRPr>
+            </a:lvl1pPr>
+            <a:lvl2pPr marL="914400" marR="0" lvl="1" indent="-317500" algn="l" rtl="0">
+              <a:lnSpc>
+                <a:spcPct val="100000"/>
+              </a:lnSpc>
+              <a:spcBef>
+                <a:spcPts val="0"/>
+              </a:spcBef>
+              <a:spcAft>
+                <a:spcPts val="0"/>
+              </a:spcAft>
+              <a:buClr>
+                <a:schemeClr val="dk1"/>
+              </a:buClr>
+              <a:buSzPts val="1600"/>
+              <a:buFont typeface="Mulish"/>
+              <a:buNone/>
+              <a:defRPr sz="1600" b="0" i="0" u="none" strike="noStrike" cap="none">
+                <a:solidFill>
+                  <a:schemeClr val="dk1"/>
+                </a:solidFill>
+                <a:latin typeface="Mulish"/>
+                <a:ea typeface="Mulish"/>
+                <a:cs typeface="Mulish"/>
+                <a:sym typeface="Mulish"/>
+              </a:defRPr>
+            </a:lvl2pPr>
+            <a:lvl3pPr marL="1371600" marR="0" lvl="2" indent="-317500" algn="l" rtl="0">
+              <a:lnSpc>
+                <a:spcPct val="100000"/>
+              </a:lnSpc>
+              <a:spcBef>
+                <a:spcPts val="0"/>
+              </a:spcBef>
+              <a:spcAft>
+                <a:spcPts val="0"/>
+              </a:spcAft>
+              <a:buClr>
+                <a:schemeClr val="dk1"/>
+              </a:buClr>
+              <a:buSzPts val="1600"/>
+              <a:buFont typeface="Mulish"/>
+              <a:buNone/>
+              <a:defRPr sz="1600" b="0" i="0" u="none" strike="noStrike" cap="none">
+                <a:solidFill>
+                  <a:schemeClr val="dk1"/>
+                </a:solidFill>
+                <a:latin typeface="Mulish"/>
+                <a:ea typeface="Mulish"/>
+                <a:cs typeface="Mulish"/>
+                <a:sym typeface="Mulish"/>
+              </a:defRPr>
+            </a:lvl3pPr>
+            <a:lvl4pPr marL="1828800" marR="0" lvl="3" indent="-317500" algn="l" rtl="0">
+              <a:lnSpc>
+                <a:spcPct val="100000"/>
+              </a:lnSpc>
+              <a:spcBef>
+                <a:spcPts val="0"/>
+              </a:spcBef>
+              <a:spcAft>
+                <a:spcPts val="0"/>
+              </a:spcAft>
+              <a:buClr>
+                <a:schemeClr val="dk1"/>
+              </a:buClr>
+              <a:buSzPts val="1600"/>
+              <a:buFont typeface="Mulish"/>
+              <a:buNone/>
+              <a:defRPr sz="1600" b="0" i="0" u="none" strike="noStrike" cap="none">
+                <a:solidFill>
+                  <a:schemeClr val="dk1"/>
+                </a:solidFill>
+                <a:latin typeface="Mulish"/>
+                <a:ea typeface="Mulish"/>
+                <a:cs typeface="Mulish"/>
+                <a:sym typeface="Mulish"/>
+              </a:defRPr>
+            </a:lvl4pPr>
+            <a:lvl5pPr marL="2286000" marR="0" lvl="4" indent="-317500" algn="l" rtl="0">
+              <a:lnSpc>
+                <a:spcPct val="100000"/>
+              </a:lnSpc>
+              <a:spcBef>
+                <a:spcPts val="0"/>
+              </a:spcBef>
+              <a:spcAft>
+                <a:spcPts val="0"/>
+              </a:spcAft>
+              <a:buClr>
+                <a:schemeClr val="dk1"/>
+              </a:buClr>
+              <a:buSzPts val="1600"/>
+              <a:buFont typeface="Mulish"/>
+              <a:buNone/>
+              <a:defRPr sz="1600" b="0" i="0" u="none" strike="noStrike" cap="none">
+                <a:solidFill>
+                  <a:schemeClr val="dk1"/>
+                </a:solidFill>
+                <a:latin typeface="Mulish"/>
+                <a:ea typeface="Mulish"/>
+                <a:cs typeface="Mulish"/>
+                <a:sym typeface="Mulish"/>
+              </a:defRPr>
+            </a:lvl5pPr>
+            <a:lvl6pPr marL="2743200" marR="0" lvl="5" indent="-317500" algn="l" rtl="0">
+              <a:lnSpc>
+                <a:spcPct val="100000"/>
+              </a:lnSpc>
+              <a:spcBef>
+                <a:spcPts val="0"/>
+              </a:spcBef>
+              <a:spcAft>
+                <a:spcPts val="0"/>
+              </a:spcAft>
+              <a:buClr>
+                <a:schemeClr val="dk1"/>
+              </a:buClr>
+              <a:buSzPts val="1600"/>
+              <a:buFont typeface="Mulish"/>
+              <a:buNone/>
+              <a:defRPr sz="1600" b="0" i="0" u="none" strike="noStrike" cap="none">
+                <a:solidFill>
+                  <a:schemeClr val="dk1"/>
+                </a:solidFill>
+                <a:latin typeface="Mulish"/>
+                <a:ea typeface="Mulish"/>
+                <a:cs typeface="Mulish"/>
+                <a:sym typeface="Mulish"/>
+              </a:defRPr>
+            </a:lvl6pPr>
+            <a:lvl7pPr marL="3200400" marR="0" lvl="6" indent="-317500" algn="l" rtl="0">
+              <a:lnSpc>
+                <a:spcPct val="100000"/>
+              </a:lnSpc>
+              <a:spcBef>
+                <a:spcPts val="0"/>
+              </a:spcBef>
+              <a:spcAft>
+                <a:spcPts val="0"/>
+              </a:spcAft>
+              <a:buClr>
+                <a:schemeClr val="dk1"/>
+              </a:buClr>
+              <a:buSzPts val="1600"/>
+              <a:buFont typeface="Mulish"/>
+              <a:buNone/>
+              <a:defRPr sz="1600" b="0" i="0" u="none" strike="noStrike" cap="none">
+                <a:solidFill>
+                  <a:schemeClr val="dk1"/>
+                </a:solidFill>
+                <a:latin typeface="Mulish"/>
+                <a:ea typeface="Mulish"/>
+                <a:cs typeface="Mulish"/>
+                <a:sym typeface="Mulish"/>
+              </a:defRPr>
+            </a:lvl7pPr>
+            <a:lvl8pPr marL="3657600" marR="0" lvl="7" indent="-317500" algn="l" rtl="0">
+              <a:lnSpc>
+                <a:spcPct val="100000"/>
+              </a:lnSpc>
+              <a:spcBef>
+                <a:spcPts val="0"/>
+              </a:spcBef>
+              <a:spcAft>
+                <a:spcPts val="0"/>
+              </a:spcAft>
+              <a:buClr>
+                <a:schemeClr val="dk1"/>
+              </a:buClr>
+              <a:buSzPts val="1600"/>
+              <a:buFont typeface="Mulish"/>
+              <a:buNone/>
+              <a:defRPr sz="1600" b="0" i="0" u="none" strike="noStrike" cap="none">
+                <a:solidFill>
+                  <a:schemeClr val="dk1"/>
+                </a:solidFill>
+                <a:latin typeface="Mulish"/>
+                <a:ea typeface="Mulish"/>
+                <a:cs typeface="Mulish"/>
+                <a:sym typeface="Mulish"/>
+              </a:defRPr>
+            </a:lvl8pPr>
+            <a:lvl9pPr marL="4114800" marR="0" lvl="8" indent="-317500" algn="l" rtl="0">
+              <a:lnSpc>
+                <a:spcPct val="100000"/>
+              </a:lnSpc>
+              <a:spcBef>
+                <a:spcPts val="0"/>
+              </a:spcBef>
+              <a:spcAft>
+                <a:spcPts val="0"/>
+              </a:spcAft>
+              <a:buClr>
+                <a:schemeClr val="dk1"/>
+              </a:buClr>
+              <a:buSzPts val="1600"/>
+              <a:buFont typeface="Mulish"/>
+              <a:buNone/>
+              <a:defRPr sz="1600" b="0" i="0" u="none" strike="noStrike" cap="none">
+                <a:solidFill>
+                  <a:schemeClr val="dk1"/>
+                </a:solidFill>
+                <a:latin typeface="Mulish"/>
+                <a:ea typeface="Mulish"/>
+                <a:cs typeface="Mulish"/>
+                <a:sym typeface="Mulish"/>
+              </a:defRPr>
+            </a:lvl9pPr>
+          </a:lstStyle>
+          <a:p>
+            <a:pPr marL="0" indent="0"/>
+            <a:r>
+              <a:rPr lang="en-US" sz="1400" dirty="0"/>
+              <a:t>w</a:t>
+            </a:r>
+            <a:r>
+              <a:rPr lang="en-US" sz="1400" baseline="-25000" dirty="0"/>
+              <a:t>1new</a:t>
+            </a:r>
+            <a:r>
+              <a:rPr lang="en-US" sz="1400" dirty="0"/>
+              <a:t>= w</a:t>
+            </a:r>
+            <a:r>
+              <a:rPr lang="en-US" sz="1400" baseline="-25000" dirty="0"/>
+              <a:t>1old</a:t>
+            </a:r>
+            <a:r>
+              <a:rPr lang="en-US" sz="1400" dirty="0"/>
+              <a:t> + (learning Rate) (y)(x</a:t>
+            </a:r>
+            <a:r>
+              <a:rPr lang="en-US" sz="1400" baseline="-25000" dirty="0"/>
+              <a:t>1</a:t>
+            </a:r>
+            <a:r>
+              <a:rPr lang="en-US" sz="1400" dirty="0"/>
+              <a:t>)</a:t>
+            </a:r>
+          </a:p>
+          <a:p>
+            <a:pPr marL="0" indent="0"/>
+            <a:r>
+              <a:rPr lang="en-US" sz="1400" dirty="0"/>
+              <a:t>	</a:t>
+            </a:r>
+          </a:p>
+          <a:p>
+            <a:pPr marL="0" indent="0"/>
+            <a:r>
+              <a:rPr lang="en-US" sz="1400" dirty="0"/>
+              <a:t>          = 0 + (1) (1) (1)</a:t>
+            </a:r>
+          </a:p>
+          <a:p>
+            <a:pPr marL="0" indent="0"/>
+            <a:r>
+              <a:rPr lang="en-US" sz="1400" dirty="0"/>
+              <a:t>          = 1</a:t>
+            </a:r>
+          </a:p>
+          <a:p>
+            <a:pPr marL="0" indent="0"/>
+            <a:endParaRPr lang="en-US" sz="1400" dirty="0"/>
+          </a:p>
+          <a:p>
+            <a:pPr marL="0" indent="0"/>
+            <a:endParaRPr lang="en-US" sz="1400" dirty="0"/>
+          </a:p>
+          <a:p>
+            <a:pPr marL="0" indent="0"/>
+            <a:endParaRPr lang="en-US" sz="1400" dirty="0"/>
+          </a:p>
+          <a:p>
+            <a:pPr marL="0" indent="0"/>
+            <a:endParaRPr lang="en-US" sz="1400" dirty="0"/>
+          </a:p>
+        </p:txBody>
+      </p:sp>
+      <p:graphicFrame>
+        <p:nvGraphicFramePr>
+          <p:cNvPr id="33" name="Table 4">
+            <a:extLst>
+              <a:ext uri="{FF2B5EF4-FFF2-40B4-BE49-F238E27FC236}">
+                <a16:creationId xmlns:a16="http://schemas.microsoft.com/office/drawing/2014/main" id="{571AECFF-F9F5-4947-9112-84C9C9BA560B}"/>
+              </a:ext>
+            </a:extLst>
+          </p:cNvPr>
+          <p:cNvGraphicFramePr>
+            <a:graphicFrameLocks noGrp="1"/>
+          </p:cNvGraphicFramePr>
+          <p:nvPr>
+            <p:extLst>
+              <p:ext uri="{D42A27DB-BD31-4B8C-83A1-F6EECF244321}">
+                <p14:modId xmlns:p14="http://schemas.microsoft.com/office/powerpoint/2010/main" val="1414302990"/>
+              </p:ext>
+            </p:extLst>
+          </p:nvPr>
+        </p:nvGraphicFramePr>
+        <p:xfrm>
+          <a:off x="940716" y="2099945"/>
+          <a:ext cx="2415540" cy="1854200"/>
+        </p:xfrm>
+        <a:graphic>
+          <a:graphicData uri="http://schemas.openxmlformats.org/drawingml/2006/table">
+            <a:tbl>
+              <a:tblPr firstRow="1" bandRow="1">
+                <a:tableStyleId>{F4426CF8-0313-4C99-A3F8-F1ABAD366F97}</a:tableStyleId>
+              </a:tblPr>
+              <a:tblGrid>
+                <a:gridCol w="754380">
+                  <a:extLst>
+                    <a:ext uri="{9D8B030D-6E8A-4147-A177-3AD203B41FA5}">
+                      <a16:colId xmlns:a16="http://schemas.microsoft.com/office/drawing/2014/main" val="3526174718"/>
+                    </a:ext>
+                  </a:extLst>
+                </a:gridCol>
+                <a:gridCol w="899160">
+                  <a:extLst>
+                    <a:ext uri="{9D8B030D-6E8A-4147-A177-3AD203B41FA5}">
+                      <a16:colId xmlns:a16="http://schemas.microsoft.com/office/drawing/2014/main" val="138222301"/>
+                    </a:ext>
+                  </a:extLst>
+                </a:gridCol>
+                <a:gridCol w="762000">
+                  <a:extLst>
+                    <a:ext uri="{9D8B030D-6E8A-4147-A177-3AD203B41FA5}">
+                      <a16:colId xmlns:a16="http://schemas.microsoft.com/office/drawing/2014/main" val="2337327765"/>
+                    </a:ext>
+                  </a:extLst>
+                </a:gridCol>
+              </a:tblGrid>
+              <a:tr h="370840">
+                <a:tc>
+                  <a:txBody>
+                    <a:bodyPr/>
+                    <a:lstStyle/>
+                    <a:p>
+                      <a:r>
+                        <a:rPr lang="en-US" dirty="0"/>
+                        <a:t>X1</a:t>
+                      </a:r>
+                    </a:p>
+                  </a:txBody>
+                  <a:tcPr/>
+                </a:tc>
+                <a:tc>
+                  <a:txBody>
+                    <a:bodyPr/>
+                    <a:lstStyle/>
+                    <a:p>
+                      <a:r>
+                        <a:rPr lang="en-US" dirty="0"/>
+                        <a:t>X2</a:t>
+                      </a:r>
+                    </a:p>
+                  </a:txBody>
+                  <a:tcPr/>
+                </a:tc>
+                <a:tc>
+                  <a:txBody>
+                    <a:bodyPr/>
+                    <a:lstStyle/>
+                    <a:p>
+                      <a:r>
+                        <a:rPr lang="en-US" dirty="0"/>
+                        <a:t>Output</a:t>
+                      </a:r>
+                    </a:p>
+                  </a:txBody>
+                  <a:tcPr/>
+                </a:tc>
+                <a:extLst>
+                  <a:ext uri="{0D108BD9-81ED-4DB2-BD59-A6C34878D82A}">
+                    <a16:rowId xmlns:a16="http://schemas.microsoft.com/office/drawing/2014/main" val="896165034"/>
+                  </a:ext>
+                </a:extLst>
+              </a:tr>
+              <a:tr h="370840">
+                <a:tc>
+                  <a:txBody>
+                    <a:bodyPr/>
+                    <a:lstStyle/>
+                    <a:p>
+                      <a:r>
+                        <a:rPr lang="en-US" dirty="0"/>
+                        <a:t>1</a:t>
+                      </a:r>
+                    </a:p>
+                  </a:txBody>
+                  <a:tcPr/>
+                </a:tc>
+                <a:tc>
+                  <a:txBody>
+                    <a:bodyPr/>
+                    <a:lstStyle/>
+                    <a:p>
+                      <a:r>
+                        <a:rPr lang="en-US" dirty="0"/>
+                        <a:t>1</a:t>
+                      </a:r>
+                    </a:p>
+                  </a:txBody>
+                  <a:tcPr/>
+                </a:tc>
+                <a:tc>
+                  <a:txBody>
+                    <a:bodyPr/>
+                    <a:lstStyle/>
+                    <a:p>
+                      <a:r>
+                        <a:rPr lang="en-US" dirty="0"/>
+                        <a:t>1</a:t>
+                      </a:r>
+                    </a:p>
+                  </a:txBody>
+                  <a:tcPr/>
+                </a:tc>
+                <a:extLst>
+                  <a:ext uri="{0D108BD9-81ED-4DB2-BD59-A6C34878D82A}">
+                    <a16:rowId xmlns:a16="http://schemas.microsoft.com/office/drawing/2014/main" val="540469341"/>
+                  </a:ext>
+                </a:extLst>
+              </a:tr>
+              <a:tr h="370840">
+                <a:tc>
+                  <a:txBody>
+                    <a:bodyPr/>
+                    <a:lstStyle/>
+                    <a:p>
+                      <a:r>
+                        <a:rPr lang="en-US" dirty="0"/>
+                        <a:t>-1</a:t>
+                      </a:r>
+                    </a:p>
+                  </a:txBody>
+                  <a:tcPr/>
+                </a:tc>
+                <a:tc>
+                  <a:txBody>
+                    <a:bodyPr/>
+                    <a:lstStyle/>
+                    <a:p>
+                      <a:r>
+                        <a:rPr lang="en-US" dirty="0"/>
+                        <a:t>1</a:t>
+                      </a:r>
+                    </a:p>
+                  </a:txBody>
+                  <a:tcPr/>
+                </a:tc>
+                <a:tc>
+                  <a:txBody>
+                    <a:bodyPr/>
+                    <a:lstStyle/>
+                    <a:p>
+                      <a:r>
+                        <a:rPr lang="en-US" dirty="0"/>
+                        <a:t>-1</a:t>
+                      </a:r>
+                    </a:p>
+                  </a:txBody>
+                  <a:tcPr/>
+                </a:tc>
+                <a:extLst>
+                  <a:ext uri="{0D108BD9-81ED-4DB2-BD59-A6C34878D82A}">
+                    <a16:rowId xmlns:a16="http://schemas.microsoft.com/office/drawing/2014/main" val="935597828"/>
+                  </a:ext>
+                </a:extLst>
+              </a:tr>
+              <a:tr h="370840">
+                <a:tc>
+                  <a:txBody>
+                    <a:bodyPr/>
+                    <a:lstStyle/>
+                    <a:p>
+                      <a:r>
+                        <a:rPr lang="en-US" dirty="0"/>
+                        <a:t>1</a:t>
+                      </a:r>
+                    </a:p>
+                  </a:txBody>
+                  <a:tcPr/>
+                </a:tc>
+                <a:tc>
+                  <a:txBody>
+                    <a:bodyPr/>
+                    <a:lstStyle/>
+                    <a:p>
+                      <a:r>
+                        <a:rPr lang="en-US" dirty="0"/>
+                        <a:t>-1</a:t>
+                      </a:r>
+                    </a:p>
+                  </a:txBody>
+                  <a:tcPr/>
+                </a:tc>
+                <a:tc>
+                  <a:txBody>
+                    <a:bodyPr/>
+                    <a:lstStyle/>
+                    <a:p>
+                      <a:r>
+                        <a:rPr lang="en-US" dirty="0"/>
+                        <a:t>-1</a:t>
+                      </a:r>
+                    </a:p>
+                  </a:txBody>
+                  <a:tcPr/>
+                </a:tc>
+                <a:extLst>
+                  <a:ext uri="{0D108BD9-81ED-4DB2-BD59-A6C34878D82A}">
+                    <a16:rowId xmlns:a16="http://schemas.microsoft.com/office/drawing/2014/main" val="1366602601"/>
+                  </a:ext>
+                </a:extLst>
+              </a:tr>
+              <a:tr h="370840">
+                <a:tc>
+                  <a:txBody>
+                    <a:bodyPr/>
+                    <a:lstStyle/>
+                    <a:p>
+                      <a:r>
+                        <a:rPr lang="en-US" dirty="0"/>
+                        <a:t>-1</a:t>
+                      </a:r>
+                    </a:p>
+                  </a:txBody>
+                  <a:tcPr/>
+                </a:tc>
+                <a:tc>
+                  <a:txBody>
+                    <a:bodyPr/>
+                    <a:lstStyle/>
+                    <a:p>
+                      <a:r>
+                        <a:rPr lang="en-US" dirty="0"/>
+                        <a:t>-1</a:t>
+                      </a:r>
+                    </a:p>
+                  </a:txBody>
+                  <a:tcPr/>
+                </a:tc>
+                <a:tc>
+                  <a:txBody>
+                    <a:bodyPr/>
+                    <a:lstStyle/>
+                    <a:p>
+                      <a:r>
+                        <a:rPr lang="en-US" dirty="0"/>
+                        <a:t>-1</a:t>
+                      </a:r>
+                    </a:p>
+                  </a:txBody>
+                  <a:tcPr/>
+                </a:tc>
+                <a:extLst>
+                  <a:ext uri="{0D108BD9-81ED-4DB2-BD59-A6C34878D82A}">
+                    <a16:rowId xmlns:a16="http://schemas.microsoft.com/office/drawing/2014/main" val="4072218189"/>
+                  </a:ext>
+                </a:extLst>
+              </a:tr>
+            </a:tbl>
+          </a:graphicData>
+        </a:graphic>
+      </p:graphicFrame>
+      <p:sp>
+        <p:nvSpPr>
+          <p:cNvPr id="34" name="TextBox 33">
+            <a:extLst>
+              <a:ext uri="{FF2B5EF4-FFF2-40B4-BE49-F238E27FC236}">
+                <a16:creationId xmlns:a16="http://schemas.microsoft.com/office/drawing/2014/main" id="{1FACB36E-45A9-4AC3-AFB3-059722B8D600}"/>
+              </a:ext>
+            </a:extLst>
+          </p:cNvPr>
+          <p:cNvSpPr txBox="1"/>
+          <p:nvPr/>
+        </p:nvSpPr>
+        <p:spPr>
+          <a:xfrm>
+            <a:off x="5137378" y="3030168"/>
+            <a:ext cx="4572000" cy="954107"/>
+          </a:xfrm>
+          <a:prstGeom prst="rect">
+            <a:avLst/>
+          </a:prstGeom>
+          <a:noFill/>
+        </p:spPr>
+        <p:txBody>
+          <a:bodyPr wrap="square">
+            <a:spAutoFit/>
+          </a:bodyPr>
+          <a:lstStyle/>
+          <a:p>
+            <a:pPr marL="0" indent="0"/>
+            <a:r>
+              <a:rPr lang="en-US" sz="1400" dirty="0"/>
+              <a:t>w</a:t>
+            </a:r>
+            <a:r>
+              <a:rPr lang="en-US" sz="1400" baseline="-25000" dirty="0"/>
+              <a:t>2new</a:t>
+            </a:r>
+            <a:r>
+              <a:rPr lang="en-US" sz="1400" dirty="0"/>
+              <a:t>= w</a:t>
+            </a:r>
+            <a:r>
+              <a:rPr lang="en-US" sz="1400" baseline="-25000" dirty="0"/>
+              <a:t>2old</a:t>
+            </a:r>
+            <a:r>
+              <a:rPr lang="en-US" sz="1400" dirty="0"/>
+              <a:t> + (learning Rate) (y)(x</a:t>
+            </a:r>
+            <a:r>
+              <a:rPr lang="en-US" sz="1400" baseline="-25000" dirty="0"/>
+              <a:t>2</a:t>
+            </a:r>
+            <a:r>
+              <a:rPr lang="en-US" sz="1400" dirty="0"/>
+              <a:t>)</a:t>
+            </a:r>
+          </a:p>
+          <a:p>
+            <a:pPr marL="0" indent="0"/>
+            <a:r>
+              <a:rPr lang="en-US" sz="1400" dirty="0"/>
+              <a:t>	</a:t>
+            </a:r>
+          </a:p>
+          <a:p>
+            <a:pPr marL="0" indent="0"/>
+            <a:r>
+              <a:rPr lang="en-US" sz="1400" dirty="0"/>
+              <a:t>          = 0 + (1) (1) (1)</a:t>
+            </a:r>
+          </a:p>
+          <a:p>
+            <a:pPr marL="0" indent="0"/>
+            <a:r>
+              <a:rPr lang="en-US" sz="1400" dirty="0"/>
+              <a:t>          = 1</a:t>
+            </a:r>
+          </a:p>
+        </p:txBody>
+      </p:sp>
+      <p:sp>
+        <p:nvSpPr>
+          <p:cNvPr id="23" name="Arrow: Curved Down 22">
+            <a:extLst>
+              <a:ext uri="{FF2B5EF4-FFF2-40B4-BE49-F238E27FC236}">
+                <a16:creationId xmlns:a16="http://schemas.microsoft.com/office/drawing/2014/main" id="{0F6CC32D-57C4-413B-94BF-AEE923914381}"/>
+              </a:ext>
+            </a:extLst>
+          </p:cNvPr>
+          <p:cNvSpPr/>
+          <p:nvPr/>
+        </p:nvSpPr>
+        <p:spPr>
+          <a:xfrm rot="21365728">
+            <a:off x="2864723" y="724427"/>
+            <a:ext cx="3926599" cy="1704039"/>
+          </a:xfrm>
+          <a:prstGeom prst="curvedDownArrow">
+            <a:avLst>
+              <a:gd name="adj1" fmla="val 9439"/>
+              <a:gd name="adj2" fmla="val 50000"/>
+              <a:gd name="adj3" fmla="val 25000"/>
+            </a:avLst>
+          </a:prstGeom>
+          <a:solidFill>
+            <a:srgbClr val="FF0000">
+              <a:alpha val="80000"/>
+            </a:srgbClr>
+          </a:solidFill>
+          <a:ln w="9525"/>
+        </p:spPr>
+        <p:style>
+          <a:lnRef idx="2">
+            <a:schemeClr val="accent1">
+              <a:shade val="50000"/>
+            </a:schemeClr>
+          </a:lnRef>
+          <a:fillRef idx="1">
+            <a:schemeClr val="accent1"/>
+          </a:fillRef>
+          <a:effectRef idx="0">
+            <a:schemeClr val="accent1"/>
+          </a:effectRef>
+          <a:fontRef idx="minor">
+            <a:schemeClr val="lt1"/>
+          </a:fontRef>
+        </p:style>
+        <p:txBody>
+          <a:bodyPr rtlCol="0" anchor="ctr"/>
+          <a:lstStyle/>
+          <a:p>
+            <a:pPr algn="ctr"/>
+            <a:endParaRPr lang="en-US">
+              <a:solidFill>
+                <a:schemeClr val="tx1"/>
+              </a:solidFill>
+            </a:endParaRPr>
+          </a:p>
+        </p:txBody>
+      </p:sp>
+      <p:sp>
+        <p:nvSpPr>
+          <p:cNvPr id="39" name="Arrow: Curved Down 38">
+            <a:extLst>
+              <a:ext uri="{FF2B5EF4-FFF2-40B4-BE49-F238E27FC236}">
+                <a16:creationId xmlns:a16="http://schemas.microsoft.com/office/drawing/2014/main" id="{F5729907-B51A-4035-A71D-FE86659AF00D}"/>
+              </a:ext>
+            </a:extLst>
+          </p:cNvPr>
+          <p:cNvSpPr/>
+          <p:nvPr/>
+        </p:nvSpPr>
+        <p:spPr>
+          <a:xfrm rot="21365728">
+            <a:off x="1066250" y="638410"/>
+            <a:ext cx="6097926" cy="1716144"/>
+          </a:xfrm>
+          <a:prstGeom prst="curvedDownArrow">
+            <a:avLst>
+              <a:gd name="adj1" fmla="val 9439"/>
+              <a:gd name="adj2" fmla="val 50000"/>
+              <a:gd name="adj3" fmla="val 24989"/>
+            </a:avLst>
+          </a:prstGeom>
+          <a:solidFill>
+            <a:srgbClr val="FF0000">
+              <a:alpha val="80000"/>
+            </a:srgbClr>
+          </a:solidFill>
+          <a:ln w="9525"/>
+        </p:spPr>
+        <p:style>
+          <a:lnRef idx="2">
+            <a:schemeClr val="accent1">
+              <a:shade val="50000"/>
+            </a:schemeClr>
+          </a:lnRef>
+          <a:fillRef idx="1">
+            <a:schemeClr val="accent1"/>
+          </a:fillRef>
+          <a:effectRef idx="0">
+            <a:schemeClr val="accent1"/>
+          </a:effectRef>
+          <a:fontRef idx="minor">
+            <a:schemeClr val="lt1"/>
+          </a:fontRef>
+        </p:style>
+        <p:txBody>
+          <a:bodyPr rtlCol="0" anchor="ctr"/>
+          <a:lstStyle/>
+          <a:p>
+            <a:pPr algn="ctr"/>
+            <a:endParaRPr lang="en-US">
+              <a:solidFill>
+                <a:schemeClr val="tx1"/>
+              </a:solidFill>
+            </a:endParaRPr>
+          </a:p>
+        </p:txBody>
+      </p:sp>
+      <p:sp>
+        <p:nvSpPr>
+          <p:cNvPr id="40" name="TextBox 39">
+            <a:extLst>
+              <a:ext uri="{FF2B5EF4-FFF2-40B4-BE49-F238E27FC236}">
+                <a16:creationId xmlns:a16="http://schemas.microsoft.com/office/drawing/2014/main" id="{4EE86E98-23CF-48AB-A52D-18203F31E668}"/>
+              </a:ext>
+            </a:extLst>
+          </p:cNvPr>
+          <p:cNvSpPr txBox="1"/>
+          <p:nvPr/>
+        </p:nvSpPr>
+        <p:spPr>
+          <a:xfrm>
+            <a:off x="4994579" y="3994714"/>
+            <a:ext cx="4572000" cy="954107"/>
+          </a:xfrm>
+          <a:prstGeom prst="rect">
+            <a:avLst/>
+          </a:prstGeom>
+          <a:noFill/>
+        </p:spPr>
+        <p:txBody>
+          <a:bodyPr wrap="square">
+            <a:spAutoFit/>
+          </a:bodyPr>
+          <a:lstStyle/>
+          <a:p>
+            <a:pPr marL="0" indent="0"/>
+            <a:r>
+              <a:rPr lang="en-US" sz="1400" dirty="0" err="1"/>
+              <a:t>B</a:t>
+            </a:r>
+            <a:r>
+              <a:rPr lang="en-US" sz="1400" baseline="-25000" dirty="0" err="1"/>
+              <a:t>new</a:t>
+            </a:r>
+            <a:r>
+              <a:rPr lang="en-US" sz="1400" dirty="0"/>
+              <a:t>= </a:t>
+            </a:r>
+            <a:r>
+              <a:rPr lang="en-US" sz="1400" b="1" dirty="0" err="1"/>
+              <a:t>w</a:t>
+            </a:r>
+            <a:r>
+              <a:rPr lang="en-US" sz="1400" baseline="-25000" dirty="0" err="1"/>
+              <a:t>old</a:t>
+            </a:r>
+            <a:r>
+              <a:rPr lang="en-US" sz="1400" dirty="0"/>
+              <a:t> + (learning Rate) (y)</a:t>
+            </a:r>
+          </a:p>
+          <a:p>
+            <a:pPr marL="0" indent="0"/>
+            <a:r>
+              <a:rPr lang="en-US" sz="1400" dirty="0"/>
+              <a:t>	</a:t>
+            </a:r>
+          </a:p>
+          <a:p>
+            <a:pPr marL="0" indent="0"/>
+            <a:r>
+              <a:rPr lang="en-US" sz="1400" dirty="0"/>
+              <a:t>          = 0 + (1) (1)</a:t>
+            </a:r>
+          </a:p>
+          <a:p>
+            <a:pPr marL="0" indent="0"/>
+            <a:r>
+              <a:rPr lang="en-US" sz="1400" dirty="0"/>
+              <a:t>          = 1</a:t>
+            </a:r>
+          </a:p>
+        </p:txBody>
+      </p:sp>
+    </p:spTree>
+    <p:extLst>
+      <p:ext uri="{BB962C8B-B14F-4D97-AF65-F5344CB8AC3E}">
+        <p14:creationId xmlns:p14="http://schemas.microsoft.com/office/powerpoint/2010/main" val="1573032705"/>
+      </p:ext>
+    </p:extLst>
+  </p:cSld>
+  <p:clrMapOvr>
+    <a:masterClrMapping/>
+  </p:clrMapOvr>
+  <p:timing>
+    <p:tnLst>
+      <p:par>
+        <p:cTn id="1" dur="indefinite" restart="never" nodeType="tmRoot">
+          <p:childTnLst>
+            <p:seq concurrent="1" nextAc="seek">
+              <p:cTn id="2" dur="indefinite" nodeType="mainSeq">
+                <p:childTnLst>
+                  <p:par>
+                    <p:cTn id="3" fill="hold">
+                      <p:stCondLst>
+                        <p:cond delay="indefinite"/>
+                        <p:cond evt="onBegin" delay="0">
+                          <p:tn val="2"/>
+                        </p:cond>
+                      </p:stCondLst>
+                      <p:childTnLst>
+                        <p:par>
+                          <p:cTn id="4" fill="hold">
+                            <p:stCondLst>
+                              <p:cond delay="0"/>
+                            </p:stCondLst>
+                            <p:childTnLst>
+                              <p:par>
+                                <p:cTn id="5" presetID="10" presetClass="entr" presetSubtype="0" fill="hold" grpId="0" nodeType="afterEffect">
+                                  <p:stCondLst>
+                                    <p:cond delay="0"/>
+                                  </p:stCondLst>
+                                  <p:childTnLst>
+                                    <p:set>
+                                      <p:cBhvr>
+                                        <p:cTn id="6" dur="1" fill="hold">
+                                          <p:stCondLst>
+                                            <p:cond delay="0"/>
+                                          </p:stCondLst>
+                                        </p:cTn>
+                                        <p:tgtEl>
+                                          <p:spTgt spid="8"/>
+                                        </p:tgtEl>
+                                        <p:attrNameLst>
+                                          <p:attrName>style.visibility</p:attrName>
+                                        </p:attrNameLst>
+                                      </p:cBhvr>
+                                      <p:to>
+                                        <p:strVal val="visible"/>
+                                      </p:to>
+                                    </p:set>
+                                    <p:animEffect transition="in" filter="fade">
+                                      <p:cBhvr>
+                                        <p:cTn id="7" dur="500"/>
+                                        <p:tgtEl>
+                                          <p:spTgt spid="8"/>
+                                        </p:tgtEl>
+                                      </p:cBhvr>
+                                    </p:animEffect>
+                                  </p:childTnLst>
+                                </p:cTn>
+                              </p:par>
+                            </p:childTnLst>
+                          </p:cTn>
+                        </p:par>
+                        <p:par>
+                          <p:cTn id="8" fill="hold">
+                            <p:stCondLst>
+                              <p:cond delay="500"/>
+                            </p:stCondLst>
+                            <p:childTnLst>
+                              <p:par>
+                                <p:cTn id="9" presetID="10" presetClass="entr" presetSubtype="0" fill="hold" grpId="0" nodeType="afterEffect">
+                                  <p:stCondLst>
+                                    <p:cond delay="0"/>
+                                  </p:stCondLst>
+                                  <p:childTnLst>
+                                    <p:set>
+                                      <p:cBhvr>
+                                        <p:cTn id="10" dur="1" fill="hold">
+                                          <p:stCondLst>
+                                            <p:cond delay="0"/>
+                                          </p:stCondLst>
+                                        </p:cTn>
+                                        <p:tgtEl>
+                                          <p:spTgt spid="32"/>
+                                        </p:tgtEl>
+                                        <p:attrNameLst>
+                                          <p:attrName>style.visibility</p:attrName>
+                                        </p:attrNameLst>
+                                      </p:cBhvr>
+                                      <p:to>
+                                        <p:strVal val="visible"/>
+                                      </p:to>
+                                    </p:set>
+                                    <p:animEffect transition="in" filter="fade">
+                                      <p:cBhvr>
+                                        <p:cTn id="11" dur="500"/>
+                                        <p:tgtEl>
+                                          <p:spTgt spid="32"/>
+                                        </p:tgtEl>
+                                      </p:cBhvr>
+                                    </p:animEffect>
+                                  </p:childTnLst>
+                                </p:cTn>
+                              </p:par>
+                            </p:childTnLst>
+                          </p:cTn>
+                        </p:par>
+                      </p:childTnLst>
+                    </p:cTn>
+                  </p:par>
+                  <p:par>
+                    <p:cTn id="12" fill="hold">
+                      <p:stCondLst>
+                        <p:cond delay="indefinite"/>
+                      </p:stCondLst>
+                      <p:childTnLst>
+                        <p:par>
+                          <p:cTn id="13" fill="hold">
+                            <p:stCondLst>
+                              <p:cond delay="0"/>
+                            </p:stCondLst>
+                            <p:childTnLst>
+                              <p:par>
+                                <p:cTn id="14" presetID="22" presetClass="entr" presetSubtype="8" fill="hold" grpId="0" nodeType="clickEffect">
+                                  <p:stCondLst>
+                                    <p:cond delay="0"/>
+                                  </p:stCondLst>
+                                  <p:childTnLst>
+                                    <p:set>
+                                      <p:cBhvr>
+                                        <p:cTn id="15" dur="1" fill="hold">
+                                          <p:stCondLst>
+                                            <p:cond delay="0"/>
+                                          </p:stCondLst>
+                                        </p:cTn>
+                                        <p:tgtEl>
+                                          <p:spTgt spid="23"/>
+                                        </p:tgtEl>
+                                        <p:attrNameLst>
+                                          <p:attrName>style.visibility</p:attrName>
+                                        </p:attrNameLst>
+                                      </p:cBhvr>
+                                      <p:to>
+                                        <p:strVal val="visible"/>
+                                      </p:to>
+                                    </p:set>
+                                    <p:animEffect transition="in" filter="wipe(left)">
+                                      <p:cBhvr>
+                                        <p:cTn id="16" dur="500"/>
+                                        <p:tgtEl>
+                                          <p:spTgt spid="23"/>
+                                        </p:tgtEl>
+                                      </p:cBhvr>
+                                    </p:animEffect>
+                                  </p:childTnLst>
+                                </p:cTn>
+                              </p:par>
+                            </p:childTnLst>
+                          </p:cTn>
+                        </p:par>
+                      </p:childTnLst>
+                    </p:cTn>
+                  </p:par>
+                  <p:par>
+                    <p:cTn id="17" fill="hold">
+                      <p:stCondLst>
+                        <p:cond delay="indefinite"/>
+                      </p:stCondLst>
+                      <p:childTnLst>
+                        <p:par>
+                          <p:cTn id="18" fill="hold">
+                            <p:stCondLst>
+                              <p:cond delay="0"/>
+                            </p:stCondLst>
+                            <p:childTnLst>
+                              <p:par>
+                                <p:cTn id="19" presetID="22" presetClass="entr" presetSubtype="8" fill="hold" grpId="0" nodeType="clickEffect">
+                                  <p:stCondLst>
+                                    <p:cond delay="0"/>
+                                  </p:stCondLst>
+                                  <p:childTnLst>
+                                    <p:set>
+                                      <p:cBhvr>
+                                        <p:cTn id="20" dur="1" fill="hold">
+                                          <p:stCondLst>
+                                            <p:cond delay="0"/>
+                                          </p:stCondLst>
+                                        </p:cTn>
+                                        <p:tgtEl>
+                                          <p:spTgt spid="39"/>
+                                        </p:tgtEl>
+                                        <p:attrNameLst>
+                                          <p:attrName>style.visibility</p:attrName>
+                                        </p:attrNameLst>
+                                      </p:cBhvr>
+                                      <p:to>
+                                        <p:strVal val="visible"/>
+                                      </p:to>
+                                    </p:set>
+                                    <p:animEffect transition="in" filter="wipe(left)">
+                                      <p:cBhvr>
+                                        <p:cTn id="21" dur="500"/>
+                                        <p:tgtEl>
+                                          <p:spTgt spid="39"/>
+                                        </p:tgtEl>
+                                      </p:cBhvr>
+                                    </p:animEffect>
+                                  </p:childTnLst>
+                                </p:cTn>
+                              </p:par>
+                            </p:childTnLst>
+                          </p:cTn>
+                        </p:par>
+                      </p:childTnLst>
+                    </p:cTn>
+                  </p:par>
+                </p:childTnLst>
+              </p:cTn>
+              <p:prevCondLst>
+                <p:cond evt="onPrev" delay="0">
+                  <p:tgtEl>
+                    <p:sldTgt/>
+                  </p:tgtEl>
+                </p:cond>
+              </p:prevCondLst>
+              <p:nextCondLst>
+                <p:cond evt="onNext" delay="0">
+                  <p:tgtEl>
+                    <p:sldTgt/>
+                  </p:tgtEl>
+                </p:cond>
+              </p:nextCondLst>
+            </p:seq>
+          </p:childTnLst>
+        </p:cTn>
+      </p:par>
+    </p:tnLst>
+    <p:bldLst>
+      <p:bldP spid="8" grpId="0"/>
+      <p:bldP spid="32" grpId="0"/>
+      <p:bldP spid="23" grpId="0" animBg="1"/>
+      <p:bldP spid="39" grpId="0" animBg="1"/>
+    </p:bldLst>
+  </p:timing>
+</p:sld>
+</file>
+
+<file path=ppt/slides/slide12.xml><?xml version="1.0" encoding="utf-8"?>
+<p:sld xmlns:a="http://schemas.openxmlformats.org/drawingml/2006/main" xmlns:r="http://schemas.openxmlformats.org/officeDocument/2006/relationships" xmlns:p="http://schemas.openxmlformats.org/presentationml/2006/main">
+  <p:cSld>
+    <p:spTree>
+      <p:nvGrpSpPr>
+        <p:cNvPr id="1" name="Shape 917"/>
+        <p:cNvGrpSpPr/>
+        <p:nvPr/>
+      </p:nvGrpSpPr>
+      <p:grpSpPr>
+        <a:xfrm>
+          <a:off x="0" y="0"/>
+          <a:ext cx="0" cy="0"/>
+          <a:chOff x="0" y="0"/>
+          <a:chExt cx="0" cy="0"/>
+        </a:xfrm>
+      </p:grpSpPr>
+      <p:sp>
+        <p:nvSpPr>
+          <p:cNvPr id="944" name="Google Shape;944;p69">
+            <a:hlinkClick r:id="rId3" action="ppaction://hlinksldjump"/>
+          </p:cNvPr>
+          <p:cNvSpPr/>
+          <p:nvPr/>
+        </p:nvSpPr>
+        <p:spPr>
+          <a:xfrm>
+            <a:off x="4637086" y="184075"/>
+            <a:ext cx="285600" cy="252000"/>
+          </a:xfrm>
+          <a:prstGeom prst="roundRect">
+            <a:avLst>
+              <a:gd name="adj" fmla="val 16667"/>
+            </a:avLst>
+          </a:prstGeom>
+          <a:solidFill>
+            <a:schemeClr val="lt1"/>
+          </a:solidFill>
+          <a:ln w="19050" cap="flat" cmpd="sng">
+            <a:solidFill>
+              <a:schemeClr val="dk1"/>
+            </a:solidFill>
+            <a:prstDash val="solid"/>
+            <a:round/>
+            <a:headEnd type="none" w="sm" len="sm"/>
+            <a:tailEnd type="none" w="sm" len="sm"/>
+          </a:ln>
+        </p:spPr>
+        <p:txBody>
+          <a:bodyPr spcFirstLastPara="1" wrap="square" lIns="0" tIns="0" rIns="0" bIns="0" anchor="ctr" anchorCtr="0">
+            <a:noAutofit/>
+          </a:bodyPr>
+          <a:lstStyle/>
+          <a:p>
+            <a:pPr marL="0" lvl="0" indent="0" algn="ctr" rtl="0">
+              <a:spcBef>
+                <a:spcPts val="0"/>
+              </a:spcBef>
+              <a:spcAft>
+                <a:spcPts val="0"/>
+              </a:spcAft>
+              <a:buNone/>
+            </a:pPr>
+            <a:r>
+              <a:rPr lang="en-US" dirty="0">
+                <a:latin typeface="Lilita One"/>
+                <a:ea typeface="Lilita One"/>
+                <a:cs typeface="Lilita One"/>
+                <a:sym typeface="Lilita One"/>
+              </a:rPr>
+              <a:t>1</a:t>
+            </a:r>
+            <a:endParaRPr dirty="0">
+              <a:latin typeface="Lilita One"/>
+              <a:ea typeface="Lilita One"/>
+              <a:cs typeface="Lilita One"/>
+              <a:sym typeface="Lilita One"/>
+            </a:endParaRPr>
+          </a:p>
+        </p:txBody>
+      </p:sp>
+      <p:sp>
+        <p:nvSpPr>
+          <p:cNvPr id="945" name="Google Shape;945;p69">
+            <a:hlinkClick r:id="rId3" action="ppaction://hlinksldjump"/>
+          </p:cNvPr>
+          <p:cNvSpPr/>
+          <p:nvPr/>
+        </p:nvSpPr>
+        <p:spPr>
+          <a:xfrm>
+            <a:off x="4229891" y="184075"/>
+            <a:ext cx="285600" cy="252000"/>
+          </a:xfrm>
+          <a:prstGeom prst="roundRect">
+            <a:avLst>
+              <a:gd name="adj" fmla="val 16667"/>
+            </a:avLst>
+          </a:prstGeom>
+          <a:solidFill>
+            <a:schemeClr val="lt1"/>
+          </a:solidFill>
+          <a:ln w="19050" cap="flat" cmpd="sng">
+            <a:solidFill>
+              <a:schemeClr val="dk1"/>
+            </a:solidFill>
+            <a:prstDash val="solid"/>
+            <a:round/>
+            <a:headEnd type="none" w="sm" len="sm"/>
+            <a:tailEnd type="none" w="sm" len="sm"/>
+          </a:ln>
+        </p:spPr>
+        <p:txBody>
+          <a:bodyPr spcFirstLastPara="1" wrap="square" lIns="0" tIns="0" rIns="0" bIns="0" anchor="ctr" anchorCtr="0">
+            <a:noAutofit/>
+          </a:bodyPr>
+          <a:lstStyle/>
+          <a:p>
+            <a:pPr marL="0" lvl="0" indent="0" algn="ctr" rtl="0">
+              <a:spcBef>
+                <a:spcPts val="0"/>
+              </a:spcBef>
+              <a:spcAft>
+                <a:spcPts val="0"/>
+              </a:spcAft>
+              <a:buNone/>
+            </a:pPr>
+            <a:r>
+              <a:rPr lang="en">
+                <a:latin typeface="Lilita One"/>
+                <a:ea typeface="Lilita One"/>
+                <a:cs typeface="Lilita One"/>
+                <a:sym typeface="Lilita One"/>
+              </a:rPr>
+              <a:t>T</a:t>
+            </a:r>
+            <a:endParaRPr>
+              <a:latin typeface="Lilita One"/>
+              <a:ea typeface="Lilita One"/>
+              <a:cs typeface="Lilita One"/>
+              <a:sym typeface="Lilita One"/>
+            </a:endParaRPr>
+          </a:p>
+        </p:txBody>
+      </p:sp>
+      <p:sp>
+        <p:nvSpPr>
+          <p:cNvPr id="946" name="Google Shape;946;p69">
+            <a:hlinkClick r:id="" action="ppaction://hlinkshowjump?jump=previousslide"/>
+          </p:cNvPr>
+          <p:cNvSpPr/>
+          <p:nvPr/>
+        </p:nvSpPr>
+        <p:spPr>
+          <a:xfrm flipH="1">
+            <a:off x="3863813" y="184075"/>
+            <a:ext cx="285600" cy="252000"/>
+          </a:xfrm>
+          <a:prstGeom prst="roundRect">
+            <a:avLst>
+              <a:gd name="adj" fmla="val 16667"/>
+            </a:avLst>
+          </a:prstGeom>
+          <a:solidFill>
+            <a:schemeClr val="lt1"/>
+          </a:solidFill>
+          <a:ln>
+            <a:noFill/>
+          </a:ln>
+        </p:spPr>
+        <p:txBody>
+          <a:bodyPr spcFirstLastPara="1" wrap="square" lIns="0" tIns="0" rIns="0" bIns="0" anchor="ctr" anchorCtr="0">
+            <a:noAutofit/>
+          </a:bodyPr>
+          <a:lstStyle/>
+          <a:p>
+            <a:pPr marL="0" lvl="0" indent="0" algn="ctr" rtl="0">
+              <a:spcBef>
+                <a:spcPts val="0"/>
+              </a:spcBef>
+              <a:spcAft>
+                <a:spcPts val="0"/>
+              </a:spcAft>
+              <a:buNone/>
+            </a:pPr>
+            <a:r>
+              <a:rPr lang="en" sz="2000" b="1">
+                <a:latin typeface="Lilita One"/>
+                <a:ea typeface="Lilita One"/>
+                <a:cs typeface="Lilita One"/>
+                <a:sym typeface="Lilita One"/>
+              </a:rPr>
+              <a:t>&lt;</a:t>
+            </a:r>
+            <a:endParaRPr sz="2000" b="1">
+              <a:latin typeface="Lilita One"/>
+              <a:ea typeface="Lilita One"/>
+              <a:cs typeface="Lilita One"/>
+              <a:sym typeface="Lilita One"/>
+            </a:endParaRPr>
+          </a:p>
+        </p:txBody>
+      </p:sp>
+      <p:sp>
+        <p:nvSpPr>
+          <p:cNvPr id="947" name="Google Shape;947;p69">
+            <a:hlinkClick r:id="" action="ppaction://hlinkshowjump?jump=nextslide"/>
+          </p:cNvPr>
+          <p:cNvSpPr/>
+          <p:nvPr/>
+        </p:nvSpPr>
+        <p:spPr>
+          <a:xfrm flipH="1">
+            <a:off x="4994579" y="184075"/>
+            <a:ext cx="285600" cy="252000"/>
+          </a:xfrm>
+          <a:prstGeom prst="roundRect">
+            <a:avLst>
+              <a:gd name="adj" fmla="val 16667"/>
+            </a:avLst>
+          </a:prstGeom>
+          <a:solidFill>
+            <a:schemeClr val="lt1"/>
+          </a:solidFill>
+          <a:ln>
+            <a:noFill/>
+          </a:ln>
+        </p:spPr>
+        <p:txBody>
+          <a:bodyPr spcFirstLastPara="1" wrap="square" lIns="0" tIns="0" rIns="0" bIns="0" anchor="ctr" anchorCtr="0">
+            <a:noAutofit/>
+          </a:bodyPr>
+          <a:lstStyle/>
+          <a:p>
+            <a:pPr marL="0" lvl="0" indent="0" algn="ctr" rtl="0">
+              <a:spcBef>
+                <a:spcPts val="0"/>
+              </a:spcBef>
+              <a:spcAft>
+                <a:spcPts val="0"/>
+              </a:spcAft>
+              <a:buNone/>
+            </a:pPr>
+            <a:r>
+              <a:rPr lang="en" sz="2000" b="1" dirty="0">
+                <a:latin typeface="Lilita One"/>
+                <a:ea typeface="Lilita One"/>
+                <a:cs typeface="Lilita One"/>
+                <a:sym typeface="Lilita One"/>
+              </a:rPr>
+              <a:t>&gt;</a:t>
+            </a:r>
+            <a:endParaRPr sz="2000" b="1" dirty="0">
+              <a:latin typeface="Lilita One"/>
+              <a:ea typeface="Lilita One"/>
+              <a:cs typeface="Lilita One"/>
+              <a:sym typeface="Lilita One"/>
+            </a:endParaRPr>
+          </a:p>
+        </p:txBody>
+      </p:sp>
+      <p:sp>
+        <p:nvSpPr>
+          <p:cNvPr id="17" name="Google Shape;920;p69">
+            <a:extLst>
+              <a:ext uri="{FF2B5EF4-FFF2-40B4-BE49-F238E27FC236}">
+                <a16:creationId xmlns:a16="http://schemas.microsoft.com/office/drawing/2014/main" id="{B0B27427-1401-4308-A936-46B27F290882}"/>
+              </a:ext>
+            </a:extLst>
+          </p:cNvPr>
+          <p:cNvSpPr txBox="1">
+            <a:spLocks noGrp="1"/>
+          </p:cNvSpPr>
+          <p:nvPr>
+            <p:ph type="title"/>
+          </p:nvPr>
+        </p:nvSpPr>
+        <p:spPr>
+          <a:xfrm>
+            <a:off x="449813" y="607300"/>
+            <a:ext cx="7399200" cy="572700"/>
+          </a:xfrm>
+          <a:prstGeom prst="rect">
+            <a:avLst/>
+          </a:prstGeom>
+        </p:spPr>
+        <p:txBody>
+          <a:bodyPr spcFirstLastPara="1" wrap="square" lIns="91425" tIns="91425" rIns="91425" bIns="91425" anchor="ctr" anchorCtr="0">
+            <a:noAutofit/>
+          </a:bodyPr>
+          <a:lstStyle/>
+          <a:p>
+            <a:pPr marL="0" lvl="0" indent="0" algn="l" rtl="0">
+              <a:spcBef>
+                <a:spcPts val="0"/>
+              </a:spcBef>
+              <a:spcAft>
+                <a:spcPts val="0"/>
+              </a:spcAft>
+              <a:buNone/>
+            </a:pPr>
+            <a:r>
+              <a:rPr lang="en-US" dirty="0"/>
+              <a:t>Perceptron</a:t>
+            </a:r>
+            <a:endParaRPr dirty="0"/>
+          </a:p>
+        </p:txBody>
+      </p:sp>
+      <p:sp>
+        <p:nvSpPr>
+          <p:cNvPr id="8" name="Google Shape;922;p69">
+            <a:extLst>
+              <a:ext uri="{FF2B5EF4-FFF2-40B4-BE49-F238E27FC236}">
+                <a16:creationId xmlns:a16="http://schemas.microsoft.com/office/drawing/2014/main" id="{9512ED38-C384-4428-AB20-340D6551CC83}"/>
+              </a:ext>
+            </a:extLst>
+          </p:cNvPr>
+          <p:cNvSpPr txBox="1">
+            <a:spLocks/>
+          </p:cNvSpPr>
+          <p:nvPr/>
+        </p:nvSpPr>
+        <p:spPr>
+          <a:xfrm>
+            <a:off x="868093" y="1159225"/>
+            <a:ext cx="7498685" cy="332296"/>
+          </a:xfrm>
+          <a:prstGeom prst="rect">
+            <a:avLst/>
+          </a:prstGeom>
+          <a:noFill/>
+          <a:ln>
+            <a:noFill/>
+          </a:ln>
+        </p:spPr>
+        <p:txBody>
+          <a:bodyPr spcFirstLastPara="1" wrap="square" lIns="91425" tIns="91425" rIns="91425" bIns="91425" anchor="t" anchorCtr="0">
+            <a:noAutofit/>
+          </a:bodyPr>
+          <a:lstStyle>
+            <a:defPPr marR="0" lvl="0" algn="l" rtl="0">
+              <a:lnSpc>
+                <a:spcPct val="100000"/>
+              </a:lnSpc>
+              <a:spcBef>
+                <a:spcPts val="0"/>
+              </a:spcBef>
+              <a:spcAft>
+                <a:spcPts val="0"/>
+              </a:spcAft>
+            </a:defPPr>
+            <a:lvl1pPr marL="457200" marR="0" lvl="0" indent="-342900" algn="l" rtl="0">
+              <a:lnSpc>
+                <a:spcPct val="100000"/>
+              </a:lnSpc>
+              <a:spcBef>
+                <a:spcPts val="0"/>
+              </a:spcBef>
+              <a:spcAft>
+                <a:spcPts val="0"/>
+              </a:spcAft>
+              <a:buClr>
+                <a:schemeClr val="dk1"/>
+              </a:buClr>
+              <a:buSzPts val="1600"/>
+              <a:buFont typeface="Mulish"/>
+              <a:buNone/>
+              <a:defRPr sz="1600" b="0" i="0" u="none" strike="noStrike" cap="none">
+                <a:solidFill>
+                  <a:schemeClr val="dk1"/>
+                </a:solidFill>
+                <a:latin typeface="Mulish"/>
+                <a:ea typeface="Mulish"/>
+                <a:cs typeface="Mulish"/>
+                <a:sym typeface="Mulish"/>
+              </a:defRPr>
+            </a:lvl1pPr>
+            <a:lvl2pPr marL="914400" marR="0" lvl="1" indent="-317500" algn="l" rtl="0">
+              <a:lnSpc>
+                <a:spcPct val="100000"/>
+              </a:lnSpc>
+              <a:spcBef>
+                <a:spcPts val="0"/>
+              </a:spcBef>
+              <a:spcAft>
+                <a:spcPts val="0"/>
+              </a:spcAft>
+              <a:buClr>
+                <a:schemeClr val="dk1"/>
+              </a:buClr>
+              <a:buSzPts val="1600"/>
+              <a:buFont typeface="Mulish"/>
+              <a:buNone/>
+              <a:defRPr sz="1600" b="0" i="0" u="none" strike="noStrike" cap="none">
+                <a:solidFill>
+                  <a:schemeClr val="dk1"/>
+                </a:solidFill>
+                <a:latin typeface="Mulish"/>
+                <a:ea typeface="Mulish"/>
+                <a:cs typeface="Mulish"/>
+                <a:sym typeface="Mulish"/>
+              </a:defRPr>
+            </a:lvl2pPr>
+            <a:lvl3pPr marL="1371600" marR="0" lvl="2" indent="-317500" algn="l" rtl="0">
+              <a:lnSpc>
+                <a:spcPct val="100000"/>
+              </a:lnSpc>
+              <a:spcBef>
+                <a:spcPts val="0"/>
+              </a:spcBef>
+              <a:spcAft>
+                <a:spcPts val="0"/>
+              </a:spcAft>
+              <a:buClr>
+                <a:schemeClr val="dk1"/>
+              </a:buClr>
+              <a:buSzPts val="1600"/>
+              <a:buFont typeface="Mulish"/>
+              <a:buNone/>
+              <a:defRPr sz="1600" b="0" i="0" u="none" strike="noStrike" cap="none">
+                <a:solidFill>
+                  <a:schemeClr val="dk1"/>
+                </a:solidFill>
+                <a:latin typeface="Mulish"/>
+                <a:ea typeface="Mulish"/>
+                <a:cs typeface="Mulish"/>
+                <a:sym typeface="Mulish"/>
+              </a:defRPr>
+            </a:lvl3pPr>
+            <a:lvl4pPr marL="1828800" marR="0" lvl="3" indent="-317500" algn="l" rtl="0">
+              <a:lnSpc>
+                <a:spcPct val="100000"/>
+              </a:lnSpc>
+              <a:spcBef>
+                <a:spcPts val="0"/>
+              </a:spcBef>
+              <a:spcAft>
+                <a:spcPts val="0"/>
+              </a:spcAft>
+              <a:buClr>
+                <a:schemeClr val="dk1"/>
+              </a:buClr>
+              <a:buSzPts val="1600"/>
+              <a:buFont typeface="Mulish"/>
+              <a:buNone/>
+              <a:defRPr sz="1600" b="0" i="0" u="none" strike="noStrike" cap="none">
+                <a:solidFill>
+                  <a:schemeClr val="dk1"/>
+                </a:solidFill>
+                <a:latin typeface="Mulish"/>
+                <a:ea typeface="Mulish"/>
+                <a:cs typeface="Mulish"/>
+                <a:sym typeface="Mulish"/>
+              </a:defRPr>
+            </a:lvl4pPr>
+            <a:lvl5pPr marL="2286000" marR="0" lvl="4" indent="-317500" algn="l" rtl="0">
+              <a:lnSpc>
+                <a:spcPct val="100000"/>
+              </a:lnSpc>
+              <a:spcBef>
+                <a:spcPts val="0"/>
+              </a:spcBef>
+              <a:spcAft>
+                <a:spcPts val="0"/>
+              </a:spcAft>
+              <a:buClr>
+                <a:schemeClr val="dk1"/>
+              </a:buClr>
+              <a:buSzPts val="1600"/>
+              <a:buFont typeface="Mulish"/>
+              <a:buNone/>
+              <a:defRPr sz="1600" b="0" i="0" u="none" strike="noStrike" cap="none">
+                <a:solidFill>
+                  <a:schemeClr val="dk1"/>
+                </a:solidFill>
+                <a:latin typeface="Mulish"/>
+                <a:ea typeface="Mulish"/>
+                <a:cs typeface="Mulish"/>
+                <a:sym typeface="Mulish"/>
+              </a:defRPr>
+            </a:lvl5pPr>
+            <a:lvl6pPr marL="2743200" marR="0" lvl="5" indent="-317500" algn="l" rtl="0">
+              <a:lnSpc>
+                <a:spcPct val="100000"/>
+              </a:lnSpc>
+              <a:spcBef>
+                <a:spcPts val="0"/>
+              </a:spcBef>
+              <a:spcAft>
+                <a:spcPts val="0"/>
+              </a:spcAft>
+              <a:buClr>
+                <a:schemeClr val="dk1"/>
+              </a:buClr>
+              <a:buSzPts val="1600"/>
+              <a:buFont typeface="Mulish"/>
+              <a:buNone/>
+              <a:defRPr sz="1600" b="0" i="0" u="none" strike="noStrike" cap="none">
+                <a:solidFill>
+                  <a:schemeClr val="dk1"/>
+                </a:solidFill>
+                <a:latin typeface="Mulish"/>
+                <a:ea typeface="Mulish"/>
+                <a:cs typeface="Mulish"/>
+                <a:sym typeface="Mulish"/>
+              </a:defRPr>
+            </a:lvl6pPr>
+            <a:lvl7pPr marL="3200400" marR="0" lvl="6" indent="-317500" algn="l" rtl="0">
+              <a:lnSpc>
+                <a:spcPct val="100000"/>
+              </a:lnSpc>
+              <a:spcBef>
+                <a:spcPts val="0"/>
+              </a:spcBef>
+              <a:spcAft>
+                <a:spcPts val="0"/>
+              </a:spcAft>
+              <a:buClr>
+                <a:schemeClr val="dk1"/>
+              </a:buClr>
+              <a:buSzPts val="1600"/>
+              <a:buFont typeface="Mulish"/>
+              <a:buNone/>
+              <a:defRPr sz="1600" b="0" i="0" u="none" strike="noStrike" cap="none">
+                <a:solidFill>
+                  <a:schemeClr val="dk1"/>
+                </a:solidFill>
+                <a:latin typeface="Mulish"/>
+                <a:ea typeface="Mulish"/>
+                <a:cs typeface="Mulish"/>
+                <a:sym typeface="Mulish"/>
+              </a:defRPr>
+            </a:lvl7pPr>
+            <a:lvl8pPr marL="3657600" marR="0" lvl="7" indent="-317500" algn="l" rtl="0">
+              <a:lnSpc>
+                <a:spcPct val="100000"/>
+              </a:lnSpc>
+              <a:spcBef>
+                <a:spcPts val="0"/>
+              </a:spcBef>
+              <a:spcAft>
+                <a:spcPts val="0"/>
+              </a:spcAft>
+              <a:buClr>
+                <a:schemeClr val="dk1"/>
+              </a:buClr>
+              <a:buSzPts val="1600"/>
+              <a:buFont typeface="Mulish"/>
+              <a:buNone/>
+              <a:defRPr sz="1600" b="0" i="0" u="none" strike="noStrike" cap="none">
+                <a:solidFill>
+                  <a:schemeClr val="dk1"/>
+                </a:solidFill>
+                <a:latin typeface="Mulish"/>
+                <a:ea typeface="Mulish"/>
+                <a:cs typeface="Mulish"/>
+                <a:sym typeface="Mulish"/>
+              </a:defRPr>
+            </a:lvl8pPr>
+            <a:lvl9pPr marL="4114800" marR="0" lvl="8" indent="-317500" algn="l" rtl="0">
+              <a:lnSpc>
+                <a:spcPct val="100000"/>
+              </a:lnSpc>
+              <a:spcBef>
+                <a:spcPts val="0"/>
+              </a:spcBef>
+              <a:spcAft>
+                <a:spcPts val="0"/>
+              </a:spcAft>
+              <a:buClr>
+                <a:schemeClr val="dk1"/>
+              </a:buClr>
+              <a:buSzPts val="1600"/>
+              <a:buFont typeface="Mulish"/>
+              <a:buNone/>
+              <a:defRPr sz="1600" b="0" i="0" u="none" strike="noStrike" cap="none">
+                <a:solidFill>
+                  <a:schemeClr val="dk1"/>
+                </a:solidFill>
+                <a:latin typeface="Mulish"/>
+                <a:ea typeface="Mulish"/>
+                <a:cs typeface="Mulish"/>
+                <a:sym typeface="Mulish"/>
+              </a:defRPr>
+            </a:lvl9pPr>
+          </a:lstStyle>
+          <a:p>
+            <a:pPr marL="0" indent="0"/>
+            <a:r>
+              <a:rPr lang="en-US" sz="1400" dirty="0"/>
+              <a:t>So Update the weights</a:t>
+            </a:r>
+          </a:p>
+        </p:txBody>
+      </p:sp>
+      <p:sp>
+        <p:nvSpPr>
+          <p:cNvPr id="32" name="Google Shape;922;p69">
+            <a:extLst>
+              <a:ext uri="{FF2B5EF4-FFF2-40B4-BE49-F238E27FC236}">
+                <a16:creationId xmlns:a16="http://schemas.microsoft.com/office/drawing/2014/main" id="{C8827E99-F8C1-44BF-9AB5-54F42AFB450A}"/>
+              </a:ext>
+            </a:extLst>
+          </p:cNvPr>
+          <p:cNvSpPr txBox="1">
+            <a:spLocks/>
+          </p:cNvSpPr>
+          <p:nvPr/>
+        </p:nvSpPr>
+        <p:spPr>
+          <a:xfrm>
+            <a:off x="5280179" y="1180000"/>
+            <a:ext cx="1427919" cy="1262106"/>
+          </a:xfrm>
+          <a:prstGeom prst="rect">
+            <a:avLst/>
+          </a:prstGeom>
+          <a:noFill/>
+          <a:ln>
+            <a:noFill/>
+          </a:ln>
+        </p:spPr>
+        <p:txBody>
+          <a:bodyPr spcFirstLastPara="1" wrap="square" lIns="91425" tIns="91425" rIns="91425" bIns="91425" anchor="t" anchorCtr="0">
+            <a:noAutofit/>
+          </a:bodyPr>
+          <a:lstStyle>
+            <a:defPPr marR="0" lvl="0" algn="l" rtl="0">
+              <a:lnSpc>
+                <a:spcPct val="100000"/>
+              </a:lnSpc>
+              <a:spcBef>
+                <a:spcPts val="0"/>
+              </a:spcBef>
+              <a:spcAft>
+                <a:spcPts val="0"/>
+              </a:spcAft>
+            </a:defPPr>
+            <a:lvl1pPr marL="457200" marR="0" lvl="0" indent="-342900" algn="l" rtl="0">
+              <a:lnSpc>
+                <a:spcPct val="100000"/>
+              </a:lnSpc>
+              <a:spcBef>
+                <a:spcPts val="0"/>
+              </a:spcBef>
+              <a:spcAft>
+                <a:spcPts val="0"/>
+              </a:spcAft>
+              <a:buClr>
+                <a:schemeClr val="dk1"/>
+              </a:buClr>
+              <a:buSzPts val="1600"/>
+              <a:buFont typeface="Mulish"/>
+              <a:buNone/>
+              <a:defRPr sz="1600" b="0" i="0" u="none" strike="noStrike" cap="none">
+                <a:solidFill>
+                  <a:schemeClr val="dk1"/>
+                </a:solidFill>
+                <a:latin typeface="Mulish"/>
+                <a:ea typeface="Mulish"/>
+                <a:cs typeface="Mulish"/>
+                <a:sym typeface="Mulish"/>
+              </a:defRPr>
+            </a:lvl1pPr>
+            <a:lvl2pPr marL="914400" marR="0" lvl="1" indent="-317500" algn="l" rtl="0">
+              <a:lnSpc>
+                <a:spcPct val="100000"/>
+              </a:lnSpc>
+              <a:spcBef>
+                <a:spcPts val="0"/>
+              </a:spcBef>
+              <a:spcAft>
+                <a:spcPts val="0"/>
+              </a:spcAft>
+              <a:buClr>
+                <a:schemeClr val="dk1"/>
+              </a:buClr>
+              <a:buSzPts val="1600"/>
+              <a:buFont typeface="Mulish"/>
+              <a:buNone/>
+              <a:defRPr sz="1600" b="0" i="0" u="none" strike="noStrike" cap="none">
+                <a:solidFill>
+                  <a:schemeClr val="dk1"/>
+                </a:solidFill>
+                <a:latin typeface="Mulish"/>
+                <a:ea typeface="Mulish"/>
+                <a:cs typeface="Mulish"/>
+                <a:sym typeface="Mulish"/>
+              </a:defRPr>
+            </a:lvl2pPr>
+            <a:lvl3pPr marL="1371600" marR="0" lvl="2" indent="-317500" algn="l" rtl="0">
+              <a:lnSpc>
+                <a:spcPct val="100000"/>
+              </a:lnSpc>
+              <a:spcBef>
+                <a:spcPts val="0"/>
+              </a:spcBef>
+              <a:spcAft>
+                <a:spcPts val="0"/>
+              </a:spcAft>
+              <a:buClr>
+                <a:schemeClr val="dk1"/>
+              </a:buClr>
+              <a:buSzPts val="1600"/>
+              <a:buFont typeface="Mulish"/>
+              <a:buNone/>
+              <a:defRPr sz="1600" b="0" i="0" u="none" strike="noStrike" cap="none">
+                <a:solidFill>
+                  <a:schemeClr val="dk1"/>
+                </a:solidFill>
+                <a:latin typeface="Mulish"/>
+                <a:ea typeface="Mulish"/>
+                <a:cs typeface="Mulish"/>
+                <a:sym typeface="Mulish"/>
+              </a:defRPr>
+            </a:lvl3pPr>
+            <a:lvl4pPr marL="1828800" marR="0" lvl="3" indent="-317500" algn="l" rtl="0">
+              <a:lnSpc>
+                <a:spcPct val="100000"/>
+              </a:lnSpc>
+              <a:spcBef>
+                <a:spcPts val="0"/>
+              </a:spcBef>
+              <a:spcAft>
+                <a:spcPts val="0"/>
+              </a:spcAft>
+              <a:buClr>
+                <a:schemeClr val="dk1"/>
+              </a:buClr>
+              <a:buSzPts val="1600"/>
+              <a:buFont typeface="Mulish"/>
+              <a:buNone/>
+              <a:defRPr sz="1600" b="0" i="0" u="none" strike="noStrike" cap="none">
+                <a:solidFill>
+                  <a:schemeClr val="dk1"/>
+                </a:solidFill>
+                <a:latin typeface="Mulish"/>
+                <a:ea typeface="Mulish"/>
+                <a:cs typeface="Mulish"/>
+                <a:sym typeface="Mulish"/>
+              </a:defRPr>
+            </a:lvl4pPr>
+            <a:lvl5pPr marL="2286000" marR="0" lvl="4" indent="-317500" algn="l" rtl="0">
+              <a:lnSpc>
+                <a:spcPct val="100000"/>
+              </a:lnSpc>
+              <a:spcBef>
+                <a:spcPts val="0"/>
+              </a:spcBef>
+              <a:spcAft>
+                <a:spcPts val="0"/>
+              </a:spcAft>
+              <a:buClr>
+                <a:schemeClr val="dk1"/>
+              </a:buClr>
+              <a:buSzPts val="1600"/>
+              <a:buFont typeface="Mulish"/>
+              <a:buNone/>
+              <a:defRPr sz="1600" b="0" i="0" u="none" strike="noStrike" cap="none">
+                <a:solidFill>
+                  <a:schemeClr val="dk1"/>
+                </a:solidFill>
+                <a:latin typeface="Mulish"/>
+                <a:ea typeface="Mulish"/>
+                <a:cs typeface="Mulish"/>
+                <a:sym typeface="Mulish"/>
+              </a:defRPr>
+            </a:lvl5pPr>
+            <a:lvl6pPr marL="2743200" marR="0" lvl="5" indent="-317500" algn="l" rtl="0">
+              <a:lnSpc>
+                <a:spcPct val="100000"/>
+              </a:lnSpc>
+              <a:spcBef>
+                <a:spcPts val="0"/>
+              </a:spcBef>
+              <a:spcAft>
+                <a:spcPts val="0"/>
+              </a:spcAft>
+              <a:buClr>
+                <a:schemeClr val="dk1"/>
+              </a:buClr>
+              <a:buSzPts val="1600"/>
+              <a:buFont typeface="Mulish"/>
+              <a:buNone/>
+              <a:defRPr sz="1600" b="0" i="0" u="none" strike="noStrike" cap="none">
+                <a:solidFill>
+                  <a:schemeClr val="dk1"/>
+                </a:solidFill>
+                <a:latin typeface="Mulish"/>
+                <a:ea typeface="Mulish"/>
+                <a:cs typeface="Mulish"/>
+                <a:sym typeface="Mulish"/>
+              </a:defRPr>
+            </a:lvl6pPr>
+            <a:lvl7pPr marL="3200400" marR="0" lvl="6" indent="-317500" algn="l" rtl="0">
+              <a:lnSpc>
+                <a:spcPct val="100000"/>
+              </a:lnSpc>
+              <a:spcBef>
+                <a:spcPts val="0"/>
+              </a:spcBef>
+              <a:spcAft>
+                <a:spcPts val="0"/>
+              </a:spcAft>
+              <a:buClr>
+                <a:schemeClr val="dk1"/>
+              </a:buClr>
+              <a:buSzPts val="1600"/>
+              <a:buFont typeface="Mulish"/>
+              <a:buNone/>
+              <a:defRPr sz="1600" b="0" i="0" u="none" strike="noStrike" cap="none">
+                <a:solidFill>
+                  <a:schemeClr val="dk1"/>
+                </a:solidFill>
+                <a:latin typeface="Mulish"/>
+                <a:ea typeface="Mulish"/>
+                <a:cs typeface="Mulish"/>
+                <a:sym typeface="Mulish"/>
+              </a:defRPr>
+            </a:lvl7pPr>
+            <a:lvl8pPr marL="3657600" marR="0" lvl="7" indent="-317500" algn="l" rtl="0">
+              <a:lnSpc>
+                <a:spcPct val="100000"/>
+              </a:lnSpc>
+              <a:spcBef>
+                <a:spcPts val="0"/>
+              </a:spcBef>
+              <a:spcAft>
+                <a:spcPts val="0"/>
+              </a:spcAft>
+              <a:buClr>
+                <a:schemeClr val="dk1"/>
+              </a:buClr>
+              <a:buSzPts val="1600"/>
+              <a:buFont typeface="Mulish"/>
+              <a:buNone/>
+              <a:defRPr sz="1600" b="0" i="0" u="none" strike="noStrike" cap="none">
+                <a:solidFill>
+                  <a:schemeClr val="dk1"/>
+                </a:solidFill>
+                <a:latin typeface="Mulish"/>
+                <a:ea typeface="Mulish"/>
+                <a:cs typeface="Mulish"/>
+                <a:sym typeface="Mulish"/>
+              </a:defRPr>
+            </a:lvl8pPr>
+            <a:lvl9pPr marL="4114800" marR="0" lvl="8" indent="-317500" algn="l" rtl="0">
+              <a:lnSpc>
+                <a:spcPct val="100000"/>
+              </a:lnSpc>
+              <a:spcBef>
+                <a:spcPts val="0"/>
+              </a:spcBef>
+              <a:spcAft>
+                <a:spcPts val="0"/>
+              </a:spcAft>
+              <a:buClr>
+                <a:schemeClr val="dk1"/>
+              </a:buClr>
+              <a:buSzPts val="1600"/>
+              <a:buFont typeface="Mulish"/>
+              <a:buNone/>
+              <a:defRPr sz="1600" b="0" i="0" u="none" strike="noStrike" cap="none">
+                <a:solidFill>
+                  <a:schemeClr val="dk1"/>
+                </a:solidFill>
+                <a:latin typeface="Mulish"/>
+                <a:ea typeface="Mulish"/>
+                <a:cs typeface="Mulish"/>
+                <a:sym typeface="Mulish"/>
+              </a:defRPr>
+            </a:lvl9pPr>
+          </a:lstStyle>
+          <a:p>
+            <a:pPr marL="0" indent="0"/>
+            <a:r>
+              <a:rPr lang="en-US" sz="1400" dirty="0"/>
+              <a:t>w</a:t>
+            </a:r>
+            <a:r>
+              <a:rPr lang="en-US" sz="1400" baseline="-25000" dirty="0"/>
+              <a:t>1new</a:t>
+            </a:r>
+            <a:r>
+              <a:rPr lang="en-US" sz="1400" dirty="0"/>
+              <a:t>  = 1</a:t>
+            </a:r>
+          </a:p>
+          <a:p>
+            <a:pPr marL="0" indent="0"/>
+            <a:endParaRPr lang="en-US" sz="1400" dirty="0"/>
+          </a:p>
+          <a:p>
+            <a:pPr marL="0" indent="0"/>
+            <a:r>
+              <a:rPr lang="en-US" sz="1400" dirty="0"/>
+              <a:t>w</a:t>
+            </a:r>
+            <a:r>
+              <a:rPr lang="en-US" sz="1400" baseline="-25000" dirty="0"/>
+              <a:t>2new</a:t>
+            </a:r>
+            <a:r>
+              <a:rPr lang="en-US" sz="1400" dirty="0"/>
+              <a:t>  = 1</a:t>
+            </a:r>
+          </a:p>
+          <a:p>
+            <a:pPr marL="0" indent="0"/>
+            <a:endParaRPr lang="en-US" sz="1400" dirty="0"/>
+          </a:p>
+          <a:p>
+            <a:pPr marL="0" indent="0"/>
+            <a:r>
+              <a:rPr lang="en-US" sz="1400" dirty="0" err="1"/>
+              <a:t>B</a:t>
+            </a:r>
+            <a:r>
+              <a:rPr lang="en-US" sz="1400" baseline="-25000" dirty="0" err="1"/>
+              <a:t>new</a:t>
+            </a:r>
+            <a:r>
+              <a:rPr lang="en-US" sz="1400" dirty="0"/>
+              <a:t>     =1</a:t>
+            </a:r>
+          </a:p>
+          <a:p>
+            <a:pPr marL="0" indent="0"/>
+            <a:endParaRPr lang="en-US" sz="1400" dirty="0"/>
+          </a:p>
+        </p:txBody>
+      </p:sp>
+      <p:graphicFrame>
+        <p:nvGraphicFramePr>
+          <p:cNvPr id="33" name="Table 4">
+            <a:extLst>
+              <a:ext uri="{FF2B5EF4-FFF2-40B4-BE49-F238E27FC236}">
+                <a16:creationId xmlns:a16="http://schemas.microsoft.com/office/drawing/2014/main" id="{571AECFF-F9F5-4947-9112-84C9C9BA560B}"/>
+              </a:ext>
+            </a:extLst>
+          </p:cNvPr>
+          <p:cNvGraphicFramePr>
+            <a:graphicFrameLocks noGrp="1"/>
+          </p:cNvGraphicFramePr>
+          <p:nvPr>
+            <p:extLst>
+              <p:ext uri="{D42A27DB-BD31-4B8C-83A1-F6EECF244321}">
+                <p14:modId xmlns:p14="http://schemas.microsoft.com/office/powerpoint/2010/main" val="653092967"/>
+              </p:ext>
+            </p:extLst>
+          </p:nvPr>
+        </p:nvGraphicFramePr>
+        <p:xfrm>
+          <a:off x="940716" y="2099945"/>
+          <a:ext cx="2415540" cy="1854200"/>
+        </p:xfrm>
+        <a:graphic>
+          <a:graphicData uri="http://schemas.openxmlformats.org/drawingml/2006/table">
+            <a:tbl>
+              <a:tblPr firstRow="1" bandRow="1">
+                <a:tableStyleId>{F4426CF8-0313-4C99-A3F8-F1ABAD366F97}</a:tableStyleId>
+              </a:tblPr>
+              <a:tblGrid>
+                <a:gridCol w="754380">
+                  <a:extLst>
+                    <a:ext uri="{9D8B030D-6E8A-4147-A177-3AD203B41FA5}">
+                      <a16:colId xmlns:a16="http://schemas.microsoft.com/office/drawing/2014/main" val="3526174718"/>
+                    </a:ext>
+                  </a:extLst>
+                </a:gridCol>
+                <a:gridCol w="899160">
+                  <a:extLst>
+                    <a:ext uri="{9D8B030D-6E8A-4147-A177-3AD203B41FA5}">
+                      <a16:colId xmlns:a16="http://schemas.microsoft.com/office/drawing/2014/main" val="138222301"/>
+                    </a:ext>
+                  </a:extLst>
+                </a:gridCol>
+                <a:gridCol w="762000">
+                  <a:extLst>
+                    <a:ext uri="{9D8B030D-6E8A-4147-A177-3AD203B41FA5}">
+                      <a16:colId xmlns:a16="http://schemas.microsoft.com/office/drawing/2014/main" val="2337327765"/>
+                    </a:ext>
+                  </a:extLst>
+                </a:gridCol>
+              </a:tblGrid>
+              <a:tr h="370840">
+                <a:tc>
+                  <a:txBody>
+                    <a:bodyPr/>
+                    <a:lstStyle/>
+                    <a:p>
+                      <a:r>
+                        <a:rPr lang="en-US" dirty="0"/>
+                        <a:t>X1</a:t>
+                      </a:r>
+                    </a:p>
+                  </a:txBody>
+                  <a:tcPr/>
+                </a:tc>
+                <a:tc>
+                  <a:txBody>
+                    <a:bodyPr/>
+                    <a:lstStyle/>
+                    <a:p>
+                      <a:r>
+                        <a:rPr lang="en-US" dirty="0"/>
+                        <a:t>X2</a:t>
+                      </a:r>
+                    </a:p>
+                  </a:txBody>
+                  <a:tcPr/>
+                </a:tc>
+                <a:tc>
+                  <a:txBody>
+                    <a:bodyPr/>
+                    <a:lstStyle/>
+                    <a:p>
+                      <a:r>
+                        <a:rPr lang="en-US" dirty="0"/>
+                        <a:t>Output</a:t>
+                      </a:r>
+                    </a:p>
+                  </a:txBody>
+                  <a:tcPr/>
+                </a:tc>
+                <a:extLst>
+                  <a:ext uri="{0D108BD9-81ED-4DB2-BD59-A6C34878D82A}">
+                    <a16:rowId xmlns:a16="http://schemas.microsoft.com/office/drawing/2014/main" val="896165034"/>
+                  </a:ext>
+                </a:extLst>
+              </a:tr>
+              <a:tr h="370840">
+                <a:tc>
+                  <a:txBody>
+                    <a:bodyPr/>
+                    <a:lstStyle/>
+                    <a:p>
+                      <a:r>
+                        <a:rPr lang="en-US" dirty="0"/>
+                        <a:t>1</a:t>
+                      </a:r>
+                    </a:p>
+                  </a:txBody>
+                  <a:tcPr/>
+                </a:tc>
+                <a:tc>
+                  <a:txBody>
+                    <a:bodyPr/>
+                    <a:lstStyle/>
+                    <a:p>
+                      <a:r>
+                        <a:rPr lang="en-US" dirty="0"/>
+                        <a:t>1</a:t>
+                      </a:r>
+                    </a:p>
+                  </a:txBody>
+                  <a:tcPr/>
+                </a:tc>
+                <a:tc>
+                  <a:txBody>
+                    <a:bodyPr/>
+                    <a:lstStyle/>
+                    <a:p>
+                      <a:r>
+                        <a:rPr lang="en-US" dirty="0"/>
+                        <a:t>1</a:t>
+                      </a:r>
+                    </a:p>
+                  </a:txBody>
+                  <a:tcPr/>
+                </a:tc>
+                <a:extLst>
+                  <a:ext uri="{0D108BD9-81ED-4DB2-BD59-A6C34878D82A}">
+                    <a16:rowId xmlns:a16="http://schemas.microsoft.com/office/drawing/2014/main" val="540469341"/>
+                  </a:ext>
+                </a:extLst>
+              </a:tr>
+              <a:tr h="370840">
+                <a:tc>
+                  <a:txBody>
+                    <a:bodyPr/>
+                    <a:lstStyle/>
+                    <a:p>
+                      <a:r>
+                        <a:rPr lang="en-US" dirty="0"/>
+                        <a:t>-1</a:t>
+                      </a:r>
+                    </a:p>
+                  </a:txBody>
+                  <a:tcPr>
+                    <a:solidFill>
+                      <a:srgbClr val="FFFF00"/>
+                    </a:solidFill>
+                  </a:tcPr>
+                </a:tc>
+                <a:tc>
+                  <a:txBody>
+                    <a:bodyPr/>
+                    <a:lstStyle/>
+                    <a:p>
+                      <a:r>
+                        <a:rPr lang="en-US" dirty="0"/>
+                        <a:t>1</a:t>
+                      </a:r>
+                    </a:p>
+                  </a:txBody>
+                  <a:tcPr>
+                    <a:solidFill>
+                      <a:srgbClr val="FFFF00"/>
+                    </a:solidFill>
+                  </a:tcPr>
+                </a:tc>
+                <a:tc>
+                  <a:txBody>
+                    <a:bodyPr/>
+                    <a:lstStyle/>
+                    <a:p>
+                      <a:r>
+                        <a:rPr lang="en-US" b="1" dirty="0"/>
+                        <a:t>-1</a:t>
+                      </a:r>
+                    </a:p>
+                  </a:txBody>
+                  <a:tcPr>
+                    <a:solidFill>
+                      <a:srgbClr val="FFFF00"/>
+                    </a:solidFill>
+                  </a:tcPr>
+                </a:tc>
+                <a:extLst>
+                  <a:ext uri="{0D108BD9-81ED-4DB2-BD59-A6C34878D82A}">
+                    <a16:rowId xmlns:a16="http://schemas.microsoft.com/office/drawing/2014/main" val="935597828"/>
+                  </a:ext>
+                </a:extLst>
+              </a:tr>
+              <a:tr h="370840">
+                <a:tc>
+                  <a:txBody>
+                    <a:bodyPr/>
+                    <a:lstStyle/>
+                    <a:p>
+                      <a:r>
+                        <a:rPr lang="en-US" dirty="0"/>
+                        <a:t>1</a:t>
+                      </a:r>
+                    </a:p>
+                  </a:txBody>
+                  <a:tcPr/>
+                </a:tc>
+                <a:tc>
+                  <a:txBody>
+                    <a:bodyPr/>
+                    <a:lstStyle/>
+                    <a:p>
+                      <a:r>
+                        <a:rPr lang="en-US" dirty="0"/>
+                        <a:t>-1</a:t>
+                      </a:r>
+                    </a:p>
+                  </a:txBody>
+                  <a:tcPr/>
+                </a:tc>
+                <a:tc>
+                  <a:txBody>
+                    <a:bodyPr/>
+                    <a:lstStyle/>
+                    <a:p>
+                      <a:r>
+                        <a:rPr lang="en-US" dirty="0"/>
+                        <a:t>-1</a:t>
+                      </a:r>
+                    </a:p>
+                  </a:txBody>
+                  <a:tcPr/>
+                </a:tc>
+                <a:extLst>
+                  <a:ext uri="{0D108BD9-81ED-4DB2-BD59-A6C34878D82A}">
+                    <a16:rowId xmlns:a16="http://schemas.microsoft.com/office/drawing/2014/main" val="1366602601"/>
+                  </a:ext>
+                </a:extLst>
+              </a:tr>
+              <a:tr h="370840">
+                <a:tc>
+                  <a:txBody>
+                    <a:bodyPr/>
+                    <a:lstStyle/>
+                    <a:p>
+                      <a:r>
+                        <a:rPr lang="en-US" dirty="0"/>
+                        <a:t>-1</a:t>
+                      </a:r>
+                    </a:p>
+                  </a:txBody>
+                  <a:tcPr/>
+                </a:tc>
+                <a:tc>
+                  <a:txBody>
+                    <a:bodyPr/>
+                    <a:lstStyle/>
+                    <a:p>
+                      <a:r>
+                        <a:rPr lang="en-US" dirty="0"/>
+                        <a:t>-1</a:t>
+                      </a:r>
+                    </a:p>
+                  </a:txBody>
+                  <a:tcPr/>
+                </a:tc>
+                <a:tc>
+                  <a:txBody>
+                    <a:bodyPr/>
+                    <a:lstStyle/>
+                    <a:p>
+                      <a:r>
+                        <a:rPr lang="en-US" dirty="0"/>
+                        <a:t>-1</a:t>
+                      </a:r>
+                    </a:p>
+                  </a:txBody>
+                  <a:tcPr/>
+                </a:tc>
+                <a:extLst>
+                  <a:ext uri="{0D108BD9-81ED-4DB2-BD59-A6C34878D82A}">
+                    <a16:rowId xmlns:a16="http://schemas.microsoft.com/office/drawing/2014/main" val="4072218189"/>
+                  </a:ext>
+                </a:extLst>
+              </a:tr>
+            </a:tbl>
+          </a:graphicData>
+        </a:graphic>
+      </p:graphicFrame>
+      <p:sp>
+        <p:nvSpPr>
+          <p:cNvPr id="15" name="Google Shape;922;p69">
+            <a:extLst>
+              <a:ext uri="{FF2B5EF4-FFF2-40B4-BE49-F238E27FC236}">
+                <a16:creationId xmlns:a16="http://schemas.microsoft.com/office/drawing/2014/main" id="{5FF25CFA-9ABB-40B1-8D96-96CC3AC3EC69}"/>
+              </a:ext>
+            </a:extLst>
+          </p:cNvPr>
+          <p:cNvSpPr txBox="1">
+            <a:spLocks/>
+          </p:cNvSpPr>
+          <p:nvPr/>
+        </p:nvSpPr>
+        <p:spPr>
+          <a:xfrm>
+            <a:off x="5280179" y="2788309"/>
+            <a:ext cx="3085948" cy="863671"/>
+          </a:xfrm>
+          <a:prstGeom prst="rect">
+            <a:avLst/>
+          </a:prstGeom>
+          <a:noFill/>
+          <a:ln>
+            <a:noFill/>
+          </a:ln>
+        </p:spPr>
+        <p:txBody>
+          <a:bodyPr spcFirstLastPara="1" wrap="square" lIns="91425" tIns="91425" rIns="91425" bIns="91425" anchor="t" anchorCtr="0">
+            <a:noAutofit/>
+          </a:bodyPr>
+          <a:lstStyle>
+            <a:defPPr marR="0" lvl="0" algn="l" rtl="0">
+              <a:lnSpc>
+                <a:spcPct val="100000"/>
+              </a:lnSpc>
+              <a:spcBef>
+                <a:spcPts val="0"/>
+              </a:spcBef>
+              <a:spcAft>
+                <a:spcPts val="0"/>
+              </a:spcAft>
+            </a:defPPr>
+            <a:lvl1pPr marL="457200" marR="0" lvl="0" indent="-342900" algn="l" rtl="0">
+              <a:lnSpc>
+                <a:spcPct val="100000"/>
+              </a:lnSpc>
+              <a:spcBef>
+                <a:spcPts val="0"/>
+              </a:spcBef>
+              <a:spcAft>
+                <a:spcPts val="0"/>
+              </a:spcAft>
+              <a:buClr>
+                <a:schemeClr val="dk1"/>
+              </a:buClr>
+              <a:buSzPts val="1600"/>
+              <a:buFont typeface="Mulish"/>
+              <a:buNone/>
+              <a:defRPr sz="1600" b="0" i="0" u="none" strike="noStrike" cap="none">
+                <a:solidFill>
+                  <a:schemeClr val="dk1"/>
+                </a:solidFill>
+                <a:latin typeface="Mulish"/>
+                <a:ea typeface="Mulish"/>
+                <a:cs typeface="Mulish"/>
+                <a:sym typeface="Mulish"/>
+              </a:defRPr>
+            </a:lvl1pPr>
+            <a:lvl2pPr marL="914400" marR="0" lvl="1" indent="-317500" algn="l" rtl="0">
+              <a:lnSpc>
+                <a:spcPct val="100000"/>
+              </a:lnSpc>
+              <a:spcBef>
+                <a:spcPts val="0"/>
+              </a:spcBef>
+              <a:spcAft>
+                <a:spcPts val="0"/>
+              </a:spcAft>
+              <a:buClr>
+                <a:schemeClr val="dk1"/>
+              </a:buClr>
+              <a:buSzPts val="1600"/>
+              <a:buFont typeface="Mulish"/>
+              <a:buNone/>
+              <a:defRPr sz="1600" b="0" i="0" u="none" strike="noStrike" cap="none">
+                <a:solidFill>
+                  <a:schemeClr val="dk1"/>
+                </a:solidFill>
+                <a:latin typeface="Mulish"/>
+                <a:ea typeface="Mulish"/>
+                <a:cs typeface="Mulish"/>
+                <a:sym typeface="Mulish"/>
+              </a:defRPr>
+            </a:lvl2pPr>
+            <a:lvl3pPr marL="1371600" marR="0" lvl="2" indent="-317500" algn="l" rtl="0">
+              <a:lnSpc>
+                <a:spcPct val="100000"/>
+              </a:lnSpc>
+              <a:spcBef>
+                <a:spcPts val="0"/>
+              </a:spcBef>
+              <a:spcAft>
+                <a:spcPts val="0"/>
+              </a:spcAft>
+              <a:buClr>
+                <a:schemeClr val="dk1"/>
+              </a:buClr>
+              <a:buSzPts val="1600"/>
+              <a:buFont typeface="Mulish"/>
+              <a:buNone/>
+              <a:defRPr sz="1600" b="0" i="0" u="none" strike="noStrike" cap="none">
+                <a:solidFill>
+                  <a:schemeClr val="dk1"/>
+                </a:solidFill>
+                <a:latin typeface="Mulish"/>
+                <a:ea typeface="Mulish"/>
+                <a:cs typeface="Mulish"/>
+                <a:sym typeface="Mulish"/>
+              </a:defRPr>
+            </a:lvl3pPr>
+            <a:lvl4pPr marL="1828800" marR="0" lvl="3" indent="-317500" algn="l" rtl="0">
+              <a:lnSpc>
+                <a:spcPct val="100000"/>
+              </a:lnSpc>
+              <a:spcBef>
+                <a:spcPts val="0"/>
+              </a:spcBef>
+              <a:spcAft>
+                <a:spcPts val="0"/>
+              </a:spcAft>
+              <a:buClr>
+                <a:schemeClr val="dk1"/>
+              </a:buClr>
+              <a:buSzPts val="1600"/>
+              <a:buFont typeface="Mulish"/>
+              <a:buNone/>
+              <a:defRPr sz="1600" b="0" i="0" u="none" strike="noStrike" cap="none">
+                <a:solidFill>
+                  <a:schemeClr val="dk1"/>
+                </a:solidFill>
+                <a:latin typeface="Mulish"/>
+                <a:ea typeface="Mulish"/>
+                <a:cs typeface="Mulish"/>
+                <a:sym typeface="Mulish"/>
+              </a:defRPr>
+            </a:lvl4pPr>
+            <a:lvl5pPr marL="2286000" marR="0" lvl="4" indent="-317500" algn="l" rtl="0">
+              <a:lnSpc>
+                <a:spcPct val="100000"/>
+              </a:lnSpc>
+              <a:spcBef>
+                <a:spcPts val="0"/>
+              </a:spcBef>
+              <a:spcAft>
+                <a:spcPts val="0"/>
+              </a:spcAft>
+              <a:buClr>
+                <a:schemeClr val="dk1"/>
+              </a:buClr>
+              <a:buSzPts val="1600"/>
+              <a:buFont typeface="Mulish"/>
+              <a:buNone/>
+              <a:defRPr sz="1600" b="0" i="0" u="none" strike="noStrike" cap="none">
+                <a:solidFill>
+                  <a:schemeClr val="dk1"/>
+                </a:solidFill>
+                <a:latin typeface="Mulish"/>
+                <a:ea typeface="Mulish"/>
+                <a:cs typeface="Mulish"/>
+                <a:sym typeface="Mulish"/>
+              </a:defRPr>
+            </a:lvl5pPr>
+            <a:lvl6pPr marL="2743200" marR="0" lvl="5" indent="-317500" algn="l" rtl="0">
+              <a:lnSpc>
+                <a:spcPct val="100000"/>
+              </a:lnSpc>
+              <a:spcBef>
+                <a:spcPts val="0"/>
+              </a:spcBef>
+              <a:spcAft>
+                <a:spcPts val="0"/>
+              </a:spcAft>
+              <a:buClr>
+                <a:schemeClr val="dk1"/>
+              </a:buClr>
+              <a:buSzPts val="1600"/>
+              <a:buFont typeface="Mulish"/>
+              <a:buNone/>
+              <a:defRPr sz="1600" b="0" i="0" u="none" strike="noStrike" cap="none">
+                <a:solidFill>
+                  <a:schemeClr val="dk1"/>
+                </a:solidFill>
+                <a:latin typeface="Mulish"/>
+                <a:ea typeface="Mulish"/>
+                <a:cs typeface="Mulish"/>
+                <a:sym typeface="Mulish"/>
+              </a:defRPr>
+            </a:lvl6pPr>
+            <a:lvl7pPr marL="3200400" marR="0" lvl="6" indent="-317500" algn="l" rtl="0">
+              <a:lnSpc>
+                <a:spcPct val="100000"/>
+              </a:lnSpc>
+              <a:spcBef>
+                <a:spcPts val="0"/>
+              </a:spcBef>
+              <a:spcAft>
+                <a:spcPts val="0"/>
+              </a:spcAft>
+              <a:buClr>
+                <a:schemeClr val="dk1"/>
+              </a:buClr>
+              <a:buSzPts val="1600"/>
+              <a:buFont typeface="Mulish"/>
+              <a:buNone/>
+              <a:defRPr sz="1600" b="0" i="0" u="none" strike="noStrike" cap="none">
+                <a:solidFill>
+                  <a:schemeClr val="dk1"/>
+                </a:solidFill>
+                <a:latin typeface="Mulish"/>
+                <a:ea typeface="Mulish"/>
+                <a:cs typeface="Mulish"/>
+                <a:sym typeface="Mulish"/>
+              </a:defRPr>
+            </a:lvl7pPr>
+            <a:lvl8pPr marL="3657600" marR="0" lvl="7" indent="-317500" algn="l" rtl="0">
+              <a:lnSpc>
+                <a:spcPct val="100000"/>
+              </a:lnSpc>
+              <a:spcBef>
+                <a:spcPts val="0"/>
+              </a:spcBef>
+              <a:spcAft>
+                <a:spcPts val="0"/>
+              </a:spcAft>
+              <a:buClr>
+                <a:schemeClr val="dk1"/>
+              </a:buClr>
+              <a:buSzPts val="1600"/>
+              <a:buFont typeface="Mulish"/>
+              <a:buNone/>
+              <a:defRPr sz="1600" b="0" i="0" u="none" strike="noStrike" cap="none">
+                <a:solidFill>
+                  <a:schemeClr val="dk1"/>
+                </a:solidFill>
+                <a:latin typeface="Mulish"/>
+                <a:ea typeface="Mulish"/>
+                <a:cs typeface="Mulish"/>
+                <a:sym typeface="Mulish"/>
+              </a:defRPr>
+            </a:lvl8pPr>
+            <a:lvl9pPr marL="4114800" marR="0" lvl="8" indent="-317500" algn="l" rtl="0">
+              <a:lnSpc>
+                <a:spcPct val="100000"/>
+              </a:lnSpc>
+              <a:spcBef>
+                <a:spcPts val="0"/>
+              </a:spcBef>
+              <a:spcAft>
+                <a:spcPts val="0"/>
+              </a:spcAft>
+              <a:buClr>
+                <a:schemeClr val="dk1"/>
+              </a:buClr>
+              <a:buSzPts val="1600"/>
+              <a:buFont typeface="Mulish"/>
+              <a:buNone/>
+              <a:defRPr sz="1600" b="0" i="0" u="none" strike="noStrike" cap="none">
+                <a:solidFill>
+                  <a:schemeClr val="dk1"/>
+                </a:solidFill>
+                <a:latin typeface="Mulish"/>
+                <a:ea typeface="Mulish"/>
+                <a:cs typeface="Mulish"/>
+                <a:sym typeface="Mulish"/>
+              </a:defRPr>
+            </a:lvl9pPr>
+          </a:lstStyle>
+          <a:p>
+            <a:pPr marL="0" indent="0"/>
+            <a:r>
+              <a:rPr lang="en-US" sz="1400" dirty="0"/>
+              <a:t>x</a:t>
+            </a:r>
+            <a:r>
+              <a:rPr lang="en-US" sz="1400" baseline="-25000" dirty="0"/>
+              <a:t>1</a:t>
+            </a:r>
+            <a:r>
+              <a:rPr lang="en-US" sz="1400" dirty="0"/>
+              <a:t>w</a:t>
+            </a:r>
+            <a:r>
+              <a:rPr lang="en-US" sz="1400" baseline="-25000" dirty="0"/>
+              <a:t>1</a:t>
+            </a:r>
+            <a:r>
+              <a:rPr lang="en-US" sz="1400" dirty="0"/>
+              <a:t>+x</a:t>
+            </a:r>
+            <a:r>
+              <a:rPr lang="en-US" sz="1400" baseline="-25000" dirty="0"/>
+              <a:t>2</a:t>
+            </a:r>
+            <a:r>
+              <a:rPr lang="en-US" sz="1400" dirty="0"/>
+              <a:t>w</a:t>
+            </a:r>
+            <a:r>
+              <a:rPr lang="en-US" sz="1400" baseline="-25000" dirty="0"/>
+              <a:t>2</a:t>
+            </a:r>
+            <a:r>
+              <a:rPr lang="en-US" sz="1400" dirty="0"/>
+              <a:t>+b </a:t>
+            </a:r>
+          </a:p>
+          <a:p>
+            <a:pPr marL="0" indent="0"/>
+            <a:r>
+              <a:rPr lang="en-US" sz="1400" dirty="0"/>
+              <a:t>= 1 * 1+ 1*1+1</a:t>
+            </a:r>
+          </a:p>
+          <a:p>
+            <a:pPr marL="0" indent="0"/>
+            <a:r>
+              <a:rPr lang="en-US" sz="1400" dirty="0"/>
+              <a:t>=3</a:t>
+            </a:r>
+          </a:p>
+        </p:txBody>
+      </p:sp>
+      <p:sp>
+        <p:nvSpPr>
+          <p:cNvPr id="16" name="Google Shape;922;p69">
+            <a:extLst>
+              <a:ext uri="{FF2B5EF4-FFF2-40B4-BE49-F238E27FC236}">
+                <a16:creationId xmlns:a16="http://schemas.microsoft.com/office/drawing/2014/main" id="{0AA57A0F-A0B3-47AE-A89D-05E279569864}"/>
+              </a:ext>
+            </a:extLst>
+          </p:cNvPr>
+          <p:cNvSpPr txBox="1">
+            <a:spLocks/>
+          </p:cNvSpPr>
+          <p:nvPr/>
+        </p:nvSpPr>
+        <p:spPr>
+          <a:xfrm>
+            <a:off x="5280179" y="3651981"/>
+            <a:ext cx="3085948" cy="410354"/>
+          </a:xfrm>
+          <a:prstGeom prst="rect">
+            <a:avLst/>
+          </a:prstGeom>
+          <a:noFill/>
+          <a:ln>
+            <a:noFill/>
+          </a:ln>
+        </p:spPr>
+        <p:txBody>
+          <a:bodyPr spcFirstLastPara="1" wrap="square" lIns="91425" tIns="91425" rIns="91425" bIns="91425" anchor="t" anchorCtr="0">
+            <a:noAutofit/>
+          </a:bodyPr>
+          <a:lstStyle>
+            <a:defPPr marR="0" lvl="0" algn="l" rtl="0">
+              <a:lnSpc>
+                <a:spcPct val="100000"/>
+              </a:lnSpc>
+              <a:spcBef>
+                <a:spcPts val="0"/>
+              </a:spcBef>
+              <a:spcAft>
+                <a:spcPts val="0"/>
+              </a:spcAft>
+            </a:defPPr>
+            <a:lvl1pPr marL="457200" marR="0" lvl="0" indent="-342900" algn="l" rtl="0">
+              <a:lnSpc>
+                <a:spcPct val="100000"/>
+              </a:lnSpc>
+              <a:spcBef>
+                <a:spcPts val="0"/>
+              </a:spcBef>
+              <a:spcAft>
+                <a:spcPts val="0"/>
+              </a:spcAft>
+              <a:buClr>
+                <a:schemeClr val="dk1"/>
+              </a:buClr>
+              <a:buSzPts val="1600"/>
+              <a:buFont typeface="Mulish"/>
+              <a:buNone/>
+              <a:defRPr sz="1600" b="0" i="0" u="none" strike="noStrike" cap="none">
+                <a:solidFill>
+                  <a:schemeClr val="dk1"/>
+                </a:solidFill>
+                <a:latin typeface="Mulish"/>
+                <a:ea typeface="Mulish"/>
+                <a:cs typeface="Mulish"/>
+                <a:sym typeface="Mulish"/>
+              </a:defRPr>
+            </a:lvl1pPr>
+            <a:lvl2pPr marL="914400" marR="0" lvl="1" indent="-317500" algn="l" rtl="0">
+              <a:lnSpc>
+                <a:spcPct val="100000"/>
+              </a:lnSpc>
+              <a:spcBef>
+                <a:spcPts val="0"/>
+              </a:spcBef>
+              <a:spcAft>
+                <a:spcPts val="0"/>
+              </a:spcAft>
+              <a:buClr>
+                <a:schemeClr val="dk1"/>
+              </a:buClr>
+              <a:buSzPts val="1600"/>
+              <a:buFont typeface="Mulish"/>
+              <a:buNone/>
+              <a:defRPr sz="1600" b="0" i="0" u="none" strike="noStrike" cap="none">
+                <a:solidFill>
+                  <a:schemeClr val="dk1"/>
+                </a:solidFill>
+                <a:latin typeface="Mulish"/>
+                <a:ea typeface="Mulish"/>
+                <a:cs typeface="Mulish"/>
+                <a:sym typeface="Mulish"/>
+              </a:defRPr>
+            </a:lvl2pPr>
+            <a:lvl3pPr marL="1371600" marR="0" lvl="2" indent="-317500" algn="l" rtl="0">
+              <a:lnSpc>
+                <a:spcPct val="100000"/>
+              </a:lnSpc>
+              <a:spcBef>
+                <a:spcPts val="0"/>
+              </a:spcBef>
+              <a:spcAft>
+                <a:spcPts val="0"/>
+              </a:spcAft>
+              <a:buClr>
+                <a:schemeClr val="dk1"/>
+              </a:buClr>
+              <a:buSzPts val="1600"/>
+              <a:buFont typeface="Mulish"/>
+              <a:buNone/>
+              <a:defRPr sz="1600" b="0" i="0" u="none" strike="noStrike" cap="none">
+                <a:solidFill>
+                  <a:schemeClr val="dk1"/>
+                </a:solidFill>
+                <a:latin typeface="Mulish"/>
+                <a:ea typeface="Mulish"/>
+                <a:cs typeface="Mulish"/>
+                <a:sym typeface="Mulish"/>
+              </a:defRPr>
+            </a:lvl3pPr>
+            <a:lvl4pPr marL="1828800" marR="0" lvl="3" indent="-317500" algn="l" rtl="0">
+              <a:lnSpc>
+                <a:spcPct val="100000"/>
+              </a:lnSpc>
+              <a:spcBef>
+                <a:spcPts val="0"/>
+              </a:spcBef>
+              <a:spcAft>
+                <a:spcPts val="0"/>
+              </a:spcAft>
+              <a:buClr>
+                <a:schemeClr val="dk1"/>
+              </a:buClr>
+              <a:buSzPts val="1600"/>
+              <a:buFont typeface="Mulish"/>
+              <a:buNone/>
+              <a:defRPr sz="1600" b="0" i="0" u="none" strike="noStrike" cap="none">
+                <a:solidFill>
+                  <a:schemeClr val="dk1"/>
+                </a:solidFill>
+                <a:latin typeface="Mulish"/>
+                <a:ea typeface="Mulish"/>
+                <a:cs typeface="Mulish"/>
+                <a:sym typeface="Mulish"/>
+              </a:defRPr>
+            </a:lvl4pPr>
+            <a:lvl5pPr marL="2286000" marR="0" lvl="4" indent="-317500" algn="l" rtl="0">
+              <a:lnSpc>
+                <a:spcPct val="100000"/>
+              </a:lnSpc>
+              <a:spcBef>
+                <a:spcPts val="0"/>
+              </a:spcBef>
+              <a:spcAft>
+                <a:spcPts val="0"/>
+              </a:spcAft>
+              <a:buClr>
+                <a:schemeClr val="dk1"/>
+              </a:buClr>
+              <a:buSzPts val="1600"/>
+              <a:buFont typeface="Mulish"/>
+              <a:buNone/>
+              <a:defRPr sz="1600" b="0" i="0" u="none" strike="noStrike" cap="none">
+                <a:solidFill>
+                  <a:schemeClr val="dk1"/>
+                </a:solidFill>
+                <a:latin typeface="Mulish"/>
+                <a:ea typeface="Mulish"/>
+                <a:cs typeface="Mulish"/>
+                <a:sym typeface="Mulish"/>
+              </a:defRPr>
+            </a:lvl5pPr>
+            <a:lvl6pPr marL="2743200" marR="0" lvl="5" indent="-317500" algn="l" rtl="0">
+              <a:lnSpc>
+                <a:spcPct val="100000"/>
+              </a:lnSpc>
+              <a:spcBef>
+                <a:spcPts val="0"/>
+              </a:spcBef>
+              <a:spcAft>
+                <a:spcPts val="0"/>
+              </a:spcAft>
+              <a:buClr>
+                <a:schemeClr val="dk1"/>
+              </a:buClr>
+              <a:buSzPts val="1600"/>
+              <a:buFont typeface="Mulish"/>
+              <a:buNone/>
+              <a:defRPr sz="1600" b="0" i="0" u="none" strike="noStrike" cap="none">
+                <a:solidFill>
+                  <a:schemeClr val="dk1"/>
+                </a:solidFill>
+                <a:latin typeface="Mulish"/>
+                <a:ea typeface="Mulish"/>
+                <a:cs typeface="Mulish"/>
+                <a:sym typeface="Mulish"/>
+              </a:defRPr>
+            </a:lvl6pPr>
+            <a:lvl7pPr marL="3200400" marR="0" lvl="6" indent="-317500" algn="l" rtl="0">
+              <a:lnSpc>
+                <a:spcPct val="100000"/>
+              </a:lnSpc>
+              <a:spcBef>
+                <a:spcPts val="0"/>
+              </a:spcBef>
+              <a:spcAft>
+                <a:spcPts val="0"/>
+              </a:spcAft>
+              <a:buClr>
+                <a:schemeClr val="dk1"/>
+              </a:buClr>
+              <a:buSzPts val="1600"/>
+              <a:buFont typeface="Mulish"/>
+              <a:buNone/>
+              <a:defRPr sz="1600" b="0" i="0" u="none" strike="noStrike" cap="none">
+                <a:solidFill>
+                  <a:schemeClr val="dk1"/>
+                </a:solidFill>
+                <a:latin typeface="Mulish"/>
+                <a:ea typeface="Mulish"/>
+                <a:cs typeface="Mulish"/>
+                <a:sym typeface="Mulish"/>
+              </a:defRPr>
+            </a:lvl7pPr>
+            <a:lvl8pPr marL="3657600" marR="0" lvl="7" indent="-317500" algn="l" rtl="0">
+              <a:lnSpc>
+                <a:spcPct val="100000"/>
+              </a:lnSpc>
+              <a:spcBef>
+                <a:spcPts val="0"/>
+              </a:spcBef>
+              <a:spcAft>
+                <a:spcPts val="0"/>
+              </a:spcAft>
+              <a:buClr>
+                <a:schemeClr val="dk1"/>
+              </a:buClr>
+              <a:buSzPts val="1600"/>
+              <a:buFont typeface="Mulish"/>
+              <a:buNone/>
+              <a:defRPr sz="1600" b="0" i="0" u="none" strike="noStrike" cap="none">
+                <a:solidFill>
+                  <a:schemeClr val="dk1"/>
+                </a:solidFill>
+                <a:latin typeface="Mulish"/>
+                <a:ea typeface="Mulish"/>
+                <a:cs typeface="Mulish"/>
+                <a:sym typeface="Mulish"/>
+              </a:defRPr>
+            </a:lvl8pPr>
+            <a:lvl9pPr marL="4114800" marR="0" lvl="8" indent="-317500" algn="l" rtl="0">
+              <a:lnSpc>
+                <a:spcPct val="100000"/>
+              </a:lnSpc>
+              <a:spcBef>
+                <a:spcPts val="0"/>
+              </a:spcBef>
+              <a:spcAft>
+                <a:spcPts val="0"/>
+              </a:spcAft>
+              <a:buClr>
+                <a:schemeClr val="dk1"/>
+              </a:buClr>
+              <a:buSzPts val="1600"/>
+              <a:buFont typeface="Mulish"/>
+              <a:buNone/>
+              <a:defRPr sz="1600" b="0" i="0" u="none" strike="noStrike" cap="none">
+                <a:solidFill>
+                  <a:schemeClr val="dk1"/>
+                </a:solidFill>
+                <a:latin typeface="Mulish"/>
+                <a:ea typeface="Mulish"/>
+                <a:cs typeface="Mulish"/>
+                <a:sym typeface="Mulish"/>
+              </a:defRPr>
+            </a:lvl9pPr>
+          </a:lstStyle>
+          <a:p>
+            <a:pPr marL="0" indent="0"/>
+            <a:r>
+              <a:rPr lang="en-US" sz="1400" dirty="0"/>
+              <a:t>After Sigmoid Predicted Value = 1</a:t>
+            </a:r>
+          </a:p>
+          <a:p>
+            <a:pPr marL="0" indent="0"/>
+            <a:endParaRPr lang="en-US" sz="1400" dirty="0"/>
+          </a:p>
+        </p:txBody>
+      </p:sp>
+      <p:sp>
+        <p:nvSpPr>
+          <p:cNvPr id="18" name="TextBox 17">
+            <a:extLst>
+              <a:ext uri="{FF2B5EF4-FFF2-40B4-BE49-F238E27FC236}">
+                <a16:creationId xmlns:a16="http://schemas.microsoft.com/office/drawing/2014/main" id="{1B52F33A-F4C0-4C39-8F5E-408BC9D408C0}"/>
+              </a:ext>
+            </a:extLst>
+          </p:cNvPr>
+          <p:cNvSpPr txBox="1"/>
+          <p:nvPr/>
+        </p:nvSpPr>
+        <p:spPr>
+          <a:xfrm>
+            <a:off x="5280179" y="4062335"/>
+            <a:ext cx="2639455" cy="307777"/>
+          </a:xfrm>
+          <a:prstGeom prst="rect">
+            <a:avLst/>
+          </a:prstGeom>
+          <a:noFill/>
+        </p:spPr>
+        <p:txBody>
+          <a:bodyPr wrap="square">
+            <a:spAutoFit/>
+          </a:bodyPr>
+          <a:lstStyle/>
+          <a:p>
+            <a:pPr marL="0" indent="0"/>
+            <a:r>
+              <a:rPr lang="en-US" sz="1400" dirty="0"/>
+              <a:t>Actual Output = -1</a:t>
+            </a:r>
+          </a:p>
+        </p:txBody>
+      </p:sp>
+      <p:sp>
+        <p:nvSpPr>
+          <p:cNvPr id="4" name="Rectangle 3">
+            <a:extLst>
+              <a:ext uri="{FF2B5EF4-FFF2-40B4-BE49-F238E27FC236}">
+                <a16:creationId xmlns:a16="http://schemas.microsoft.com/office/drawing/2014/main" id="{9B599896-F3A0-415B-85D5-391942E89B9F}"/>
+              </a:ext>
+            </a:extLst>
+          </p:cNvPr>
+          <p:cNvSpPr/>
+          <p:nvPr/>
+        </p:nvSpPr>
+        <p:spPr>
+          <a:xfrm>
+            <a:off x="2595966" y="2860897"/>
+            <a:ext cx="760290" cy="332296"/>
+          </a:xfrm>
+          <a:prstGeom prst="rect">
+            <a:avLst/>
+          </a:prstGeom>
+          <a:solidFill>
+            <a:srgbClr val="FF0000">
+              <a:alpha val="70000"/>
+            </a:srgbClr>
+          </a:solidFill>
+          <a:ln>
+            <a:noFill/>
+          </a:ln>
+        </p:spPr>
+        <p:style>
+          <a:lnRef idx="2">
+            <a:schemeClr val="accent1">
+              <a:shade val="50000"/>
+            </a:schemeClr>
+          </a:lnRef>
+          <a:fillRef idx="1">
+            <a:schemeClr val="accent1"/>
+          </a:fillRef>
+          <a:effectRef idx="0">
+            <a:schemeClr val="accent1"/>
+          </a:effectRef>
+          <a:fontRef idx="minor">
+            <a:schemeClr val="lt1"/>
+          </a:fontRef>
+        </p:style>
+        <p:txBody>
+          <a:bodyPr rtlCol="0" anchor="ctr"/>
+          <a:lstStyle/>
+          <a:p>
+            <a:pPr algn="ctr"/>
+            <a:endParaRPr lang="en-US"/>
+          </a:p>
+        </p:txBody>
+      </p:sp>
+      <p:sp>
+        <p:nvSpPr>
+          <p:cNvPr id="20" name="TextBox 19">
+            <a:extLst>
+              <a:ext uri="{FF2B5EF4-FFF2-40B4-BE49-F238E27FC236}">
+                <a16:creationId xmlns:a16="http://schemas.microsoft.com/office/drawing/2014/main" id="{1C174CA2-2B8D-471E-9598-79D5CD81178B}"/>
+              </a:ext>
+            </a:extLst>
+          </p:cNvPr>
+          <p:cNvSpPr txBox="1"/>
+          <p:nvPr/>
+        </p:nvSpPr>
+        <p:spPr>
+          <a:xfrm>
+            <a:off x="5280179" y="4261922"/>
+            <a:ext cx="2370023" cy="523220"/>
+          </a:xfrm>
+          <a:prstGeom prst="rect">
+            <a:avLst/>
+          </a:prstGeom>
+          <a:noFill/>
+        </p:spPr>
+        <p:txBody>
+          <a:bodyPr wrap="square">
+            <a:spAutoFit/>
+          </a:bodyPr>
+          <a:lstStyle/>
+          <a:p>
+            <a:pPr marL="0" indent="0"/>
+            <a:endParaRPr lang="en-US" sz="1400" dirty="0"/>
+          </a:p>
+          <a:p>
+            <a:pPr marL="0" indent="0"/>
+            <a:r>
+              <a:rPr lang="en-US" sz="1400" dirty="0"/>
+              <a:t>So update the weights</a:t>
+            </a:r>
+          </a:p>
+        </p:txBody>
+      </p:sp>
+    </p:spTree>
+    <p:extLst>
+      <p:ext uri="{BB962C8B-B14F-4D97-AF65-F5344CB8AC3E}">
+        <p14:creationId xmlns:p14="http://schemas.microsoft.com/office/powerpoint/2010/main" val="1304278483"/>
+      </p:ext>
+    </p:extLst>
+  </p:cSld>
+  <p:clrMapOvr>
+    <a:masterClrMapping/>
+  </p:clrMapOvr>
+  <p:timing>
+    <p:tnLst>
+      <p:par>
+        <p:cTn id="1" dur="indefinite" restart="never" nodeType="tmRoot">
+          <p:childTnLst>
+            <p:seq concurrent="1" nextAc="seek">
+              <p:cTn id="2" dur="indefinite" nodeType="mainSeq">
+                <p:childTnLst>
+                  <p:par>
+                    <p:cTn id="3" fill="hold">
+                      <p:stCondLst>
+                        <p:cond delay="indefinite"/>
+                        <p:cond evt="onBegin" delay="0">
+                          <p:tn val="2"/>
+                        </p:cond>
+                      </p:stCondLst>
+                      <p:childTnLst>
+                        <p:par>
+                          <p:cTn id="4" fill="hold">
+                            <p:stCondLst>
+                              <p:cond delay="0"/>
+                            </p:stCondLst>
+                            <p:childTnLst>
+                              <p:par>
+                                <p:cTn id="5" presetID="10" presetClass="entr" presetSubtype="0" fill="hold" grpId="0" nodeType="afterEffect">
+                                  <p:stCondLst>
+                                    <p:cond delay="0"/>
+                                  </p:stCondLst>
+                                  <p:childTnLst>
+                                    <p:set>
+                                      <p:cBhvr>
+                                        <p:cTn id="6" dur="1" fill="hold">
+                                          <p:stCondLst>
+                                            <p:cond delay="0"/>
+                                          </p:stCondLst>
+                                        </p:cTn>
+                                        <p:tgtEl>
+                                          <p:spTgt spid="8"/>
+                                        </p:tgtEl>
+                                        <p:attrNameLst>
+                                          <p:attrName>style.visibility</p:attrName>
+                                        </p:attrNameLst>
+                                      </p:cBhvr>
+                                      <p:to>
+                                        <p:strVal val="visible"/>
+                                      </p:to>
+                                    </p:set>
+                                    <p:animEffect transition="in" filter="fade">
+                                      <p:cBhvr>
+                                        <p:cTn id="7" dur="500"/>
+                                        <p:tgtEl>
+                                          <p:spTgt spid="8"/>
+                                        </p:tgtEl>
+                                      </p:cBhvr>
+                                    </p:animEffect>
+                                  </p:childTnLst>
+                                </p:cTn>
+                              </p:par>
+                            </p:childTnLst>
+                          </p:cTn>
+                        </p:par>
+                        <p:par>
+                          <p:cTn id="8" fill="hold">
+                            <p:stCondLst>
+                              <p:cond delay="500"/>
+                            </p:stCondLst>
+                            <p:childTnLst>
+                              <p:par>
+                                <p:cTn id="9" presetID="10" presetClass="entr" presetSubtype="0" fill="hold" grpId="0" nodeType="afterEffect">
+                                  <p:stCondLst>
+                                    <p:cond delay="0"/>
+                                  </p:stCondLst>
+                                  <p:childTnLst>
+                                    <p:set>
+                                      <p:cBhvr>
+                                        <p:cTn id="10" dur="1" fill="hold">
+                                          <p:stCondLst>
+                                            <p:cond delay="0"/>
+                                          </p:stCondLst>
+                                        </p:cTn>
+                                        <p:tgtEl>
+                                          <p:spTgt spid="32"/>
+                                        </p:tgtEl>
+                                        <p:attrNameLst>
+                                          <p:attrName>style.visibility</p:attrName>
+                                        </p:attrNameLst>
+                                      </p:cBhvr>
+                                      <p:to>
+                                        <p:strVal val="visible"/>
+                                      </p:to>
+                                    </p:set>
+                                    <p:animEffect transition="in" filter="fade">
+                                      <p:cBhvr>
+                                        <p:cTn id="11" dur="500"/>
+                                        <p:tgtEl>
+                                          <p:spTgt spid="32"/>
+                                        </p:tgtEl>
+                                      </p:cBhvr>
+                                    </p:animEffect>
+                                  </p:childTnLst>
+                                </p:cTn>
+                              </p:par>
+                            </p:childTnLst>
+                          </p:cTn>
+                        </p:par>
+                      </p:childTnLst>
+                    </p:cTn>
+                  </p:par>
+                  <p:par>
+                    <p:cTn id="12" fill="hold">
+                      <p:stCondLst>
+                        <p:cond delay="indefinite"/>
+                      </p:stCondLst>
+                      <p:childTnLst>
+                        <p:par>
+                          <p:cTn id="13" fill="hold">
+                            <p:stCondLst>
+                              <p:cond delay="0"/>
+                            </p:stCondLst>
+                            <p:childTnLst>
+                              <p:par>
+                                <p:cTn id="14" presetID="10" presetClass="entr" presetSubtype="0" fill="hold" grpId="0" nodeType="clickEffect">
+                                  <p:stCondLst>
+                                    <p:cond delay="0"/>
+                                  </p:stCondLst>
+                                  <p:childTnLst>
+                                    <p:set>
+                                      <p:cBhvr>
+                                        <p:cTn id="15" dur="1" fill="hold">
+                                          <p:stCondLst>
+                                            <p:cond delay="0"/>
+                                          </p:stCondLst>
+                                        </p:cTn>
+                                        <p:tgtEl>
+                                          <p:spTgt spid="15"/>
+                                        </p:tgtEl>
+                                        <p:attrNameLst>
+                                          <p:attrName>style.visibility</p:attrName>
+                                        </p:attrNameLst>
+                                      </p:cBhvr>
+                                      <p:to>
+                                        <p:strVal val="visible"/>
+                                      </p:to>
+                                    </p:set>
+                                    <p:animEffect transition="in" filter="fade">
+                                      <p:cBhvr>
+                                        <p:cTn id="16" dur="500"/>
+                                        <p:tgtEl>
+                                          <p:spTgt spid="15"/>
+                                        </p:tgtEl>
+                                      </p:cBhvr>
+                                    </p:animEffect>
+                                  </p:childTnLst>
+                                </p:cTn>
+                              </p:par>
+                            </p:childTnLst>
+                          </p:cTn>
+                        </p:par>
+                      </p:childTnLst>
+                    </p:cTn>
+                  </p:par>
+                  <p:par>
+                    <p:cTn id="17" fill="hold">
+                      <p:stCondLst>
+                        <p:cond delay="indefinite"/>
+                      </p:stCondLst>
+                      <p:childTnLst>
+                        <p:par>
+                          <p:cTn id="18" fill="hold">
+                            <p:stCondLst>
+                              <p:cond delay="0"/>
+                            </p:stCondLst>
+                            <p:childTnLst>
+                              <p:par>
+                                <p:cTn id="19" presetID="10" presetClass="entr" presetSubtype="0" fill="hold" grpId="0" nodeType="clickEffect">
+                                  <p:stCondLst>
+                                    <p:cond delay="0"/>
+                                  </p:stCondLst>
+                                  <p:childTnLst>
+                                    <p:set>
+                                      <p:cBhvr>
+                                        <p:cTn id="20" dur="1" fill="hold">
+                                          <p:stCondLst>
+                                            <p:cond delay="0"/>
+                                          </p:stCondLst>
+                                        </p:cTn>
+                                        <p:tgtEl>
+                                          <p:spTgt spid="16"/>
+                                        </p:tgtEl>
+                                        <p:attrNameLst>
+                                          <p:attrName>style.visibility</p:attrName>
+                                        </p:attrNameLst>
+                                      </p:cBhvr>
+                                      <p:to>
+                                        <p:strVal val="visible"/>
+                                      </p:to>
+                                    </p:set>
+                                    <p:animEffect transition="in" filter="fade">
+                                      <p:cBhvr>
+                                        <p:cTn id="21" dur="500"/>
+                                        <p:tgtEl>
+                                          <p:spTgt spid="16"/>
+                                        </p:tgtEl>
+                                      </p:cBhvr>
+                                    </p:animEffect>
+                                  </p:childTnLst>
+                                </p:cTn>
+                              </p:par>
+                            </p:childTnLst>
+                          </p:cTn>
+                        </p:par>
+                      </p:childTnLst>
+                    </p:cTn>
+                  </p:par>
+                  <p:par>
+                    <p:cTn id="22" fill="hold">
+                      <p:stCondLst>
+                        <p:cond delay="indefinite"/>
+                      </p:stCondLst>
+                      <p:childTnLst>
+                        <p:par>
+                          <p:cTn id="23" fill="hold">
+                            <p:stCondLst>
+                              <p:cond delay="0"/>
+                            </p:stCondLst>
+                            <p:childTnLst>
+                              <p:par>
+                                <p:cTn id="24" presetID="10" presetClass="entr" presetSubtype="0" fill="hold" grpId="0" nodeType="clickEffect">
+                                  <p:stCondLst>
+                                    <p:cond delay="0"/>
+                                  </p:stCondLst>
+                                  <p:childTnLst>
+                                    <p:set>
+                                      <p:cBhvr>
+                                        <p:cTn id="25" dur="1" fill="hold">
+                                          <p:stCondLst>
+                                            <p:cond delay="0"/>
+                                          </p:stCondLst>
+                                        </p:cTn>
+                                        <p:tgtEl>
+                                          <p:spTgt spid="18"/>
+                                        </p:tgtEl>
+                                        <p:attrNameLst>
+                                          <p:attrName>style.visibility</p:attrName>
+                                        </p:attrNameLst>
+                                      </p:cBhvr>
+                                      <p:to>
+                                        <p:strVal val="visible"/>
+                                      </p:to>
+                                    </p:set>
+                                    <p:animEffect transition="in" filter="fade">
+                                      <p:cBhvr>
+                                        <p:cTn id="26" dur="500"/>
+                                        <p:tgtEl>
+                                          <p:spTgt spid="18"/>
+                                        </p:tgtEl>
+                                      </p:cBhvr>
+                                    </p:animEffect>
+                                  </p:childTnLst>
+                                </p:cTn>
+                              </p:par>
+                              <p:par>
+                                <p:cTn id="27" presetID="10" presetClass="entr" presetSubtype="0" fill="hold" grpId="0" nodeType="withEffect">
+                                  <p:stCondLst>
+                                    <p:cond delay="0"/>
+                                  </p:stCondLst>
+                                  <p:childTnLst>
+                                    <p:set>
+                                      <p:cBhvr>
+                                        <p:cTn id="28" dur="1" fill="hold">
+                                          <p:stCondLst>
+                                            <p:cond delay="0"/>
+                                          </p:stCondLst>
+                                        </p:cTn>
+                                        <p:tgtEl>
+                                          <p:spTgt spid="4"/>
+                                        </p:tgtEl>
+                                        <p:attrNameLst>
+                                          <p:attrName>style.visibility</p:attrName>
+                                        </p:attrNameLst>
+                                      </p:cBhvr>
+                                      <p:to>
+                                        <p:strVal val="visible"/>
+                                      </p:to>
+                                    </p:set>
+                                    <p:animEffect transition="in" filter="fade">
+                                      <p:cBhvr>
+                                        <p:cTn id="29" dur="500"/>
+                                        <p:tgtEl>
+                                          <p:spTgt spid="4"/>
+                                        </p:tgtEl>
+                                      </p:cBhvr>
+                                    </p:animEffect>
+                                  </p:childTnLst>
+                                </p:cTn>
+                              </p:par>
+                            </p:childTnLst>
+                          </p:cTn>
+                        </p:par>
+                      </p:childTnLst>
+                    </p:cTn>
+                  </p:par>
+                  <p:par>
+                    <p:cTn id="30" fill="hold">
+                      <p:stCondLst>
+                        <p:cond delay="indefinite"/>
+                      </p:stCondLst>
+                      <p:childTnLst>
+                        <p:par>
+                          <p:cTn id="31" fill="hold">
+                            <p:stCondLst>
+                              <p:cond delay="0"/>
+                            </p:stCondLst>
+                            <p:childTnLst>
+                              <p:par>
+                                <p:cTn id="32" presetID="10" presetClass="entr" presetSubtype="0" fill="hold" grpId="0" nodeType="clickEffect">
+                                  <p:stCondLst>
+                                    <p:cond delay="0"/>
+                                  </p:stCondLst>
+                                  <p:childTnLst>
+                                    <p:set>
+                                      <p:cBhvr>
+                                        <p:cTn id="33" dur="1" fill="hold">
+                                          <p:stCondLst>
+                                            <p:cond delay="0"/>
+                                          </p:stCondLst>
+                                        </p:cTn>
+                                        <p:tgtEl>
+                                          <p:spTgt spid="20"/>
+                                        </p:tgtEl>
+                                        <p:attrNameLst>
+                                          <p:attrName>style.visibility</p:attrName>
+                                        </p:attrNameLst>
+                                      </p:cBhvr>
+                                      <p:to>
+                                        <p:strVal val="visible"/>
+                                      </p:to>
+                                    </p:set>
+                                    <p:animEffect transition="in" filter="fade">
+                                      <p:cBhvr>
+                                        <p:cTn id="34" dur="500"/>
+                                        <p:tgtEl>
+                                          <p:spTgt spid="20"/>
+                                        </p:tgtEl>
+                                      </p:cBhvr>
+                                    </p:animEffect>
+                                  </p:childTnLst>
+                                </p:cTn>
+                              </p:par>
+                            </p:childTnLst>
+                          </p:cTn>
+                        </p:par>
+                      </p:childTnLst>
+                    </p:cTn>
+                  </p:par>
+                </p:childTnLst>
+              </p:cTn>
+              <p:prevCondLst>
+                <p:cond evt="onPrev" delay="0">
+                  <p:tgtEl>
+                    <p:sldTgt/>
+                  </p:tgtEl>
+                </p:cond>
+              </p:prevCondLst>
+              <p:nextCondLst>
+                <p:cond evt="onNext" delay="0">
+                  <p:tgtEl>
+                    <p:sldTgt/>
+                  </p:tgtEl>
+                </p:cond>
+              </p:nextCondLst>
+            </p:seq>
+          </p:childTnLst>
+        </p:cTn>
+      </p:par>
+    </p:tnLst>
+    <p:bldLst>
+      <p:bldP spid="8" grpId="0"/>
+      <p:bldP spid="32" grpId="0"/>
+      <p:bldP spid="15" grpId="0"/>
+      <p:bldP spid="16" grpId="0"/>
+      <p:bldP spid="18" grpId="0"/>
+      <p:bldP spid="4" grpId="0" animBg="1"/>
+      <p:bldP spid="20" grpId="0"/>
+    </p:bldLst>
+  </p:timing>
+</p:sld>
+</file>
+
+<file path=ppt/slides/slide13.xml><?xml version="1.0" encoding="utf-8"?>
 <p:sld xmlns:a="http://schemas.openxmlformats.org/drawingml/2006/main" xmlns:r="http://schemas.openxmlformats.org/officeDocument/2006/relationships" xmlns:p="http://schemas.openxmlformats.org/presentationml/2006/main">
   <p:cSld>
     <p:spTree>
@@ -23032,8 +27430,8 @@
           </a:p>
         </p:txBody>
       </p:sp>
-      <mc:AlternateContent xmlns:mc="http://schemas.openxmlformats.org/markup-compatibility/2006">
-        <mc:Choice xmlns:a14="http://schemas.microsoft.com/office/drawing/2010/main" Requires="a14">
+      <mc:AlternateContent xmlns:mc="http://schemas.openxmlformats.org/markup-compatibility/2006" xmlns:a14="http://schemas.microsoft.com/office/drawing/2010/main">
+        <mc:Choice Requires="a14">
           <p:sp>
             <p:nvSpPr>
               <p:cNvPr id="23" name="Oval 22">
@@ -23113,7 +27511,7 @@
             </p:txBody>
           </p:sp>
         </mc:Choice>
-        <mc:Fallback>
+        <mc:Fallback xmlns="">
           <p:sp>
             <p:nvSpPr>
               <p:cNvPr id="23" name="Oval 22">
@@ -27294,8 +31692,8 @@
           </a:p>
         </p:txBody>
       </p:sp>
-      <mc:AlternateContent xmlns:mc="http://schemas.openxmlformats.org/markup-compatibility/2006">
-        <mc:Choice xmlns:a14="http://schemas.microsoft.com/office/drawing/2010/main" Requires="a14">
+      <mc:AlternateContent xmlns:mc="http://schemas.openxmlformats.org/markup-compatibility/2006" xmlns:a14="http://schemas.microsoft.com/office/drawing/2010/main">
+        <mc:Choice Requires="a14">
           <p:sp>
             <p:nvSpPr>
               <p:cNvPr id="12" name="Oval 11">
@@ -27375,7 +31773,7 @@
             </p:txBody>
           </p:sp>
         </mc:Choice>
-        <mc:Fallback>
+        <mc:Fallback xmlns="">
           <p:sp>
             <p:nvSpPr>
               <p:cNvPr id="12" name="Oval 11">
